--- a/2D_.pptx
+++ b/2D_.pptx
@@ -106,6 +106,11 @@
       </a:defRPr>
     </a:lvl9pPr>
   </p:defaultTextStyle>
+  <p:extLst>
+    <p:ext uri="{EFAFB233-063F-42B5-8137-9DF3F51BA10A}">
+      <p15:sldGuideLst xmlns:p15="http://schemas.microsoft.com/office/powerpoint/2012/main"/>
+    </p:ext>
+  </p:extLst>
 </p:presentation>
 </file>
 
@@ -151,10 +156,9 @@
           </a:lstStyle>
           <a:p>
             <a:r>
-              <a:rPr lang="ko-KR" altLang="en-US" smtClean="0"/>
+              <a:rPr lang="ko-KR" altLang="en-US"/>
               <a:t>마스터 제목 스타일 편집</a:t>
             </a:r>
-            <a:endParaRPr lang="ko-KR" altLang="en-US"/>
           </a:p>
         </p:txBody>
       </p:sp>
@@ -216,10 +220,9 @@
           </a:lstStyle>
           <a:p>
             <a:r>
-              <a:rPr lang="ko-KR" altLang="en-US" smtClean="0"/>
+              <a:rPr lang="ko-KR" altLang="en-US"/>
               <a:t>마스터 부제목 스타일 편집</a:t>
             </a:r>
-            <a:endParaRPr lang="ko-KR" altLang="en-US"/>
           </a:p>
         </p:txBody>
       </p:sp>
@@ -240,7 +243,7 @@
           <a:p>
             <a:fld id="{9764E683-8222-4E67-9AA9-50C0BDA0C5E2}" type="datetimeFigureOut">
               <a:rPr lang="ko-KR" altLang="en-US" smtClean="0"/>
-              <a:t>2023-12-04</a:t>
+              <a:t>2023-12-05</a:t>
             </a:fld>
             <a:endParaRPr lang="ko-KR" altLang="en-US"/>
           </a:p>
@@ -334,10 +337,9 @@
           <a:lstStyle/>
           <a:p>
             <a:r>
-              <a:rPr lang="ko-KR" altLang="en-US" smtClean="0"/>
+              <a:rPr lang="ko-KR" altLang="en-US"/>
               <a:t>마스터 제목 스타일 편집</a:t>
             </a:r>
-            <a:endParaRPr lang="ko-KR" altLang="en-US"/>
           </a:p>
         </p:txBody>
       </p:sp>
@@ -358,38 +360,37 @@
           <a:p>
             <a:pPr lvl="0"/>
             <a:r>
-              <a:rPr lang="ko-KR" altLang="en-US" smtClean="0"/>
+              <a:rPr lang="ko-KR" altLang="en-US"/>
               <a:t>마스터 텍스트 스타일을 편집합니다</a:t>
             </a:r>
           </a:p>
           <a:p>
             <a:pPr lvl="1"/>
             <a:r>
-              <a:rPr lang="ko-KR" altLang="en-US" smtClean="0"/>
+              <a:rPr lang="ko-KR" altLang="en-US"/>
               <a:t>둘째 수준</a:t>
             </a:r>
           </a:p>
           <a:p>
             <a:pPr lvl="2"/>
             <a:r>
-              <a:rPr lang="ko-KR" altLang="en-US" smtClean="0"/>
+              <a:rPr lang="ko-KR" altLang="en-US"/>
               <a:t>셋째 수준</a:t>
             </a:r>
           </a:p>
           <a:p>
             <a:pPr lvl="3"/>
             <a:r>
-              <a:rPr lang="ko-KR" altLang="en-US" smtClean="0"/>
+              <a:rPr lang="ko-KR" altLang="en-US"/>
               <a:t>넷째 수준</a:t>
             </a:r>
           </a:p>
           <a:p>
             <a:pPr lvl="4"/>
             <a:r>
-              <a:rPr lang="ko-KR" altLang="en-US" smtClean="0"/>
+              <a:rPr lang="ko-KR" altLang="en-US"/>
               <a:t>다섯째 수준</a:t>
             </a:r>
-            <a:endParaRPr lang="ko-KR" altLang="en-US"/>
           </a:p>
         </p:txBody>
       </p:sp>
@@ -410,7 +411,7 @@
           <a:p>
             <a:fld id="{9764E683-8222-4E67-9AA9-50C0BDA0C5E2}" type="datetimeFigureOut">
               <a:rPr lang="ko-KR" altLang="en-US" smtClean="0"/>
-              <a:t>2023-12-04</a:t>
+              <a:t>2023-12-05</a:t>
             </a:fld>
             <a:endParaRPr lang="ko-KR" altLang="en-US"/>
           </a:p>
@@ -509,10 +510,9 @@
           <a:lstStyle/>
           <a:p>
             <a:r>
-              <a:rPr lang="ko-KR" altLang="en-US" smtClean="0"/>
+              <a:rPr lang="ko-KR" altLang="en-US"/>
               <a:t>마스터 제목 스타일 편집</a:t>
             </a:r>
-            <a:endParaRPr lang="ko-KR" altLang="en-US"/>
           </a:p>
         </p:txBody>
       </p:sp>
@@ -538,38 +538,37 @@
           <a:p>
             <a:pPr lvl="0"/>
             <a:r>
-              <a:rPr lang="ko-KR" altLang="en-US" smtClean="0"/>
+              <a:rPr lang="ko-KR" altLang="en-US"/>
               <a:t>마스터 텍스트 스타일을 편집합니다</a:t>
             </a:r>
           </a:p>
           <a:p>
             <a:pPr lvl="1"/>
             <a:r>
-              <a:rPr lang="ko-KR" altLang="en-US" smtClean="0"/>
+              <a:rPr lang="ko-KR" altLang="en-US"/>
               <a:t>둘째 수준</a:t>
             </a:r>
           </a:p>
           <a:p>
             <a:pPr lvl="2"/>
             <a:r>
-              <a:rPr lang="ko-KR" altLang="en-US" smtClean="0"/>
+              <a:rPr lang="ko-KR" altLang="en-US"/>
               <a:t>셋째 수준</a:t>
             </a:r>
           </a:p>
           <a:p>
             <a:pPr lvl="3"/>
             <a:r>
-              <a:rPr lang="ko-KR" altLang="en-US" smtClean="0"/>
+              <a:rPr lang="ko-KR" altLang="en-US"/>
               <a:t>넷째 수준</a:t>
             </a:r>
           </a:p>
           <a:p>
             <a:pPr lvl="4"/>
             <a:r>
-              <a:rPr lang="ko-KR" altLang="en-US" smtClean="0"/>
+              <a:rPr lang="ko-KR" altLang="en-US"/>
               <a:t>다섯째 수준</a:t>
             </a:r>
-            <a:endParaRPr lang="ko-KR" altLang="en-US"/>
           </a:p>
         </p:txBody>
       </p:sp>
@@ -590,7 +589,7 @@
           <a:p>
             <a:fld id="{9764E683-8222-4E67-9AA9-50C0BDA0C5E2}" type="datetimeFigureOut">
               <a:rPr lang="ko-KR" altLang="en-US" smtClean="0"/>
-              <a:t>2023-12-04</a:t>
+              <a:t>2023-12-05</a:t>
             </a:fld>
             <a:endParaRPr lang="ko-KR" altLang="en-US"/>
           </a:p>
@@ -684,10 +683,9 @@
           <a:lstStyle/>
           <a:p>
             <a:r>
-              <a:rPr lang="ko-KR" altLang="en-US" smtClean="0"/>
+              <a:rPr lang="ko-KR" altLang="en-US"/>
               <a:t>마스터 제목 스타일 편집</a:t>
             </a:r>
-            <a:endParaRPr lang="ko-KR" altLang="en-US"/>
           </a:p>
         </p:txBody>
       </p:sp>
@@ -708,38 +706,37 @@
           <a:p>
             <a:pPr lvl="0"/>
             <a:r>
-              <a:rPr lang="ko-KR" altLang="en-US" smtClean="0"/>
+              <a:rPr lang="ko-KR" altLang="en-US"/>
               <a:t>마스터 텍스트 스타일을 편집합니다</a:t>
             </a:r>
           </a:p>
           <a:p>
             <a:pPr lvl="1"/>
             <a:r>
-              <a:rPr lang="ko-KR" altLang="en-US" smtClean="0"/>
+              <a:rPr lang="ko-KR" altLang="en-US"/>
               <a:t>둘째 수준</a:t>
             </a:r>
           </a:p>
           <a:p>
             <a:pPr lvl="2"/>
             <a:r>
-              <a:rPr lang="ko-KR" altLang="en-US" smtClean="0"/>
+              <a:rPr lang="ko-KR" altLang="en-US"/>
               <a:t>셋째 수준</a:t>
             </a:r>
           </a:p>
           <a:p>
             <a:pPr lvl="3"/>
             <a:r>
-              <a:rPr lang="ko-KR" altLang="en-US" smtClean="0"/>
+              <a:rPr lang="ko-KR" altLang="en-US"/>
               <a:t>넷째 수준</a:t>
             </a:r>
           </a:p>
           <a:p>
             <a:pPr lvl="4"/>
             <a:r>
-              <a:rPr lang="ko-KR" altLang="en-US" smtClean="0"/>
+              <a:rPr lang="ko-KR" altLang="en-US"/>
               <a:t>다섯째 수준</a:t>
             </a:r>
-            <a:endParaRPr lang="ko-KR" altLang="en-US"/>
           </a:p>
         </p:txBody>
       </p:sp>
@@ -760,7 +757,7 @@
           <a:p>
             <a:fld id="{9764E683-8222-4E67-9AA9-50C0BDA0C5E2}" type="datetimeFigureOut">
               <a:rPr lang="ko-KR" altLang="en-US" smtClean="0"/>
-              <a:t>2023-12-04</a:t>
+              <a:t>2023-12-05</a:t>
             </a:fld>
             <a:endParaRPr lang="ko-KR" altLang="en-US"/>
           </a:p>
@@ -863,10 +860,9 @@
           </a:lstStyle>
           <a:p>
             <a:r>
-              <a:rPr lang="ko-KR" altLang="en-US" smtClean="0"/>
+              <a:rPr lang="ko-KR" altLang="en-US"/>
               <a:t>마스터 제목 스타일 편집</a:t>
             </a:r>
-            <a:endParaRPr lang="ko-KR" altLang="en-US"/>
           </a:p>
         </p:txBody>
       </p:sp>
@@ -983,7 +979,7 @@
           <a:p>
             <a:pPr lvl="0"/>
             <a:r>
-              <a:rPr lang="ko-KR" altLang="en-US" smtClean="0"/>
+              <a:rPr lang="ko-KR" altLang="en-US"/>
               <a:t>마스터 텍스트 스타일을 편집합니다</a:t>
             </a:r>
           </a:p>
@@ -1006,7 +1002,7 @@
           <a:p>
             <a:fld id="{9764E683-8222-4E67-9AA9-50C0BDA0C5E2}" type="datetimeFigureOut">
               <a:rPr lang="ko-KR" altLang="en-US" smtClean="0"/>
-              <a:t>2023-12-04</a:t>
+              <a:t>2023-12-05</a:t>
             </a:fld>
             <a:endParaRPr lang="ko-KR" altLang="en-US"/>
           </a:p>
@@ -1100,10 +1096,9 @@
           <a:lstStyle/>
           <a:p>
             <a:r>
-              <a:rPr lang="ko-KR" altLang="en-US" smtClean="0"/>
+              <a:rPr lang="ko-KR" altLang="en-US"/>
               <a:t>마스터 제목 스타일 편집</a:t>
             </a:r>
-            <a:endParaRPr lang="ko-KR" altLang="en-US"/>
           </a:p>
         </p:txBody>
       </p:sp>
@@ -1129,38 +1124,37 @@
           <a:p>
             <a:pPr lvl="0"/>
             <a:r>
-              <a:rPr lang="ko-KR" altLang="en-US" smtClean="0"/>
+              <a:rPr lang="ko-KR" altLang="en-US"/>
               <a:t>마스터 텍스트 스타일을 편집합니다</a:t>
             </a:r>
           </a:p>
           <a:p>
             <a:pPr lvl="1"/>
             <a:r>
-              <a:rPr lang="ko-KR" altLang="en-US" smtClean="0"/>
+              <a:rPr lang="ko-KR" altLang="en-US"/>
               <a:t>둘째 수준</a:t>
             </a:r>
           </a:p>
           <a:p>
             <a:pPr lvl="2"/>
             <a:r>
-              <a:rPr lang="ko-KR" altLang="en-US" smtClean="0"/>
+              <a:rPr lang="ko-KR" altLang="en-US"/>
               <a:t>셋째 수준</a:t>
             </a:r>
           </a:p>
           <a:p>
             <a:pPr lvl="3"/>
             <a:r>
-              <a:rPr lang="ko-KR" altLang="en-US" smtClean="0"/>
+              <a:rPr lang="ko-KR" altLang="en-US"/>
               <a:t>넷째 수준</a:t>
             </a:r>
           </a:p>
           <a:p>
             <a:pPr lvl="4"/>
             <a:r>
-              <a:rPr lang="ko-KR" altLang="en-US" smtClean="0"/>
+              <a:rPr lang="ko-KR" altLang="en-US"/>
               <a:t>다섯째 수준</a:t>
             </a:r>
-            <a:endParaRPr lang="ko-KR" altLang="en-US"/>
           </a:p>
         </p:txBody>
       </p:sp>
@@ -1186,38 +1180,37 @@
           <a:p>
             <a:pPr lvl="0"/>
             <a:r>
-              <a:rPr lang="ko-KR" altLang="en-US" smtClean="0"/>
+              <a:rPr lang="ko-KR" altLang="en-US"/>
               <a:t>마스터 텍스트 스타일을 편집합니다</a:t>
             </a:r>
           </a:p>
           <a:p>
             <a:pPr lvl="1"/>
             <a:r>
-              <a:rPr lang="ko-KR" altLang="en-US" smtClean="0"/>
+              <a:rPr lang="ko-KR" altLang="en-US"/>
               <a:t>둘째 수준</a:t>
             </a:r>
           </a:p>
           <a:p>
             <a:pPr lvl="2"/>
             <a:r>
-              <a:rPr lang="ko-KR" altLang="en-US" smtClean="0"/>
+              <a:rPr lang="ko-KR" altLang="en-US"/>
               <a:t>셋째 수준</a:t>
             </a:r>
           </a:p>
           <a:p>
             <a:pPr lvl="3"/>
             <a:r>
-              <a:rPr lang="ko-KR" altLang="en-US" smtClean="0"/>
+              <a:rPr lang="ko-KR" altLang="en-US"/>
               <a:t>넷째 수준</a:t>
             </a:r>
           </a:p>
           <a:p>
             <a:pPr lvl="4"/>
             <a:r>
-              <a:rPr lang="ko-KR" altLang="en-US" smtClean="0"/>
+              <a:rPr lang="ko-KR" altLang="en-US"/>
               <a:t>다섯째 수준</a:t>
             </a:r>
-            <a:endParaRPr lang="ko-KR" altLang="en-US"/>
           </a:p>
         </p:txBody>
       </p:sp>
@@ -1238,7 +1231,7 @@
           <a:p>
             <a:fld id="{9764E683-8222-4E67-9AA9-50C0BDA0C5E2}" type="datetimeFigureOut">
               <a:rPr lang="ko-KR" altLang="en-US" smtClean="0"/>
-              <a:t>2023-12-04</a:t>
+              <a:t>2023-12-05</a:t>
             </a:fld>
             <a:endParaRPr lang="ko-KR" altLang="en-US"/>
           </a:p>
@@ -1337,10 +1330,9 @@
           <a:lstStyle/>
           <a:p>
             <a:r>
-              <a:rPr lang="ko-KR" altLang="en-US" smtClean="0"/>
+              <a:rPr lang="ko-KR" altLang="en-US"/>
               <a:t>마스터 제목 스타일 편집</a:t>
             </a:r>
-            <a:endParaRPr lang="ko-KR" altLang="en-US"/>
           </a:p>
         </p:txBody>
       </p:sp>
@@ -1403,7 +1395,7 @@
           <a:p>
             <a:pPr lvl="0"/>
             <a:r>
-              <a:rPr lang="ko-KR" altLang="en-US" smtClean="0"/>
+              <a:rPr lang="ko-KR" altLang="en-US"/>
               <a:t>마스터 텍스트 스타일을 편집합니다</a:t>
             </a:r>
           </a:p>
@@ -1431,38 +1423,37 @@
           <a:p>
             <a:pPr lvl="0"/>
             <a:r>
-              <a:rPr lang="ko-KR" altLang="en-US" smtClean="0"/>
+              <a:rPr lang="ko-KR" altLang="en-US"/>
               <a:t>마스터 텍스트 스타일을 편집합니다</a:t>
             </a:r>
           </a:p>
           <a:p>
             <a:pPr lvl="1"/>
             <a:r>
-              <a:rPr lang="ko-KR" altLang="en-US" smtClean="0"/>
+              <a:rPr lang="ko-KR" altLang="en-US"/>
               <a:t>둘째 수준</a:t>
             </a:r>
           </a:p>
           <a:p>
             <a:pPr lvl="2"/>
             <a:r>
-              <a:rPr lang="ko-KR" altLang="en-US" smtClean="0"/>
+              <a:rPr lang="ko-KR" altLang="en-US"/>
               <a:t>셋째 수준</a:t>
             </a:r>
           </a:p>
           <a:p>
             <a:pPr lvl="3"/>
             <a:r>
-              <a:rPr lang="ko-KR" altLang="en-US" smtClean="0"/>
+              <a:rPr lang="ko-KR" altLang="en-US"/>
               <a:t>넷째 수준</a:t>
             </a:r>
           </a:p>
           <a:p>
             <a:pPr lvl="4"/>
             <a:r>
-              <a:rPr lang="ko-KR" altLang="en-US" smtClean="0"/>
+              <a:rPr lang="ko-KR" altLang="en-US"/>
               <a:t>다섯째 수준</a:t>
             </a:r>
-            <a:endParaRPr lang="ko-KR" altLang="en-US"/>
           </a:p>
         </p:txBody>
       </p:sp>
@@ -1525,7 +1516,7 @@
           <a:p>
             <a:pPr lvl="0"/>
             <a:r>
-              <a:rPr lang="ko-KR" altLang="en-US" smtClean="0"/>
+              <a:rPr lang="ko-KR" altLang="en-US"/>
               <a:t>마스터 텍스트 스타일을 편집합니다</a:t>
             </a:r>
           </a:p>
@@ -1553,38 +1544,37 @@
           <a:p>
             <a:pPr lvl="0"/>
             <a:r>
-              <a:rPr lang="ko-KR" altLang="en-US" smtClean="0"/>
+              <a:rPr lang="ko-KR" altLang="en-US"/>
               <a:t>마스터 텍스트 스타일을 편집합니다</a:t>
             </a:r>
           </a:p>
           <a:p>
             <a:pPr lvl="1"/>
             <a:r>
-              <a:rPr lang="ko-KR" altLang="en-US" smtClean="0"/>
+              <a:rPr lang="ko-KR" altLang="en-US"/>
               <a:t>둘째 수준</a:t>
             </a:r>
           </a:p>
           <a:p>
             <a:pPr lvl="2"/>
             <a:r>
-              <a:rPr lang="ko-KR" altLang="en-US" smtClean="0"/>
+              <a:rPr lang="ko-KR" altLang="en-US"/>
               <a:t>셋째 수준</a:t>
             </a:r>
           </a:p>
           <a:p>
             <a:pPr lvl="3"/>
             <a:r>
-              <a:rPr lang="ko-KR" altLang="en-US" smtClean="0"/>
+              <a:rPr lang="ko-KR" altLang="en-US"/>
               <a:t>넷째 수준</a:t>
             </a:r>
           </a:p>
           <a:p>
             <a:pPr lvl="4"/>
             <a:r>
-              <a:rPr lang="ko-KR" altLang="en-US" smtClean="0"/>
+              <a:rPr lang="ko-KR" altLang="en-US"/>
               <a:t>다섯째 수준</a:t>
             </a:r>
-            <a:endParaRPr lang="ko-KR" altLang="en-US"/>
           </a:p>
         </p:txBody>
       </p:sp>
@@ -1605,7 +1595,7 @@
           <a:p>
             <a:fld id="{9764E683-8222-4E67-9AA9-50C0BDA0C5E2}" type="datetimeFigureOut">
               <a:rPr lang="ko-KR" altLang="en-US" smtClean="0"/>
-              <a:t>2023-12-04</a:t>
+              <a:t>2023-12-05</a:t>
             </a:fld>
             <a:endParaRPr lang="ko-KR" altLang="en-US"/>
           </a:p>
@@ -1699,10 +1689,9 @@
           <a:lstStyle/>
           <a:p>
             <a:r>
-              <a:rPr lang="ko-KR" altLang="en-US" smtClean="0"/>
+              <a:rPr lang="ko-KR" altLang="en-US"/>
               <a:t>마스터 제목 스타일 편집</a:t>
             </a:r>
-            <a:endParaRPr lang="ko-KR" altLang="en-US"/>
           </a:p>
         </p:txBody>
       </p:sp>
@@ -1723,7 +1712,7 @@
           <a:p>
             <a:fld id="{9764E683-8222-4E67-9AA9-50C0BDA0C5E2}" type="datetimeFigureOut">
               <a:rPr lang="ko-KR" altLang="en-US" smtClean="0"/>
-              <a:t>2023-12-04</a:t>
+              <a:t>2023-12-05</a:t>
             </a:fld>
             <a:endParaRPr lang="ko-KR" altLang="en-US"/>
           </a:p>
@@ -1818,7 +1807,7 @@
           <a:p>
             <a:fld id="{9764E683-8222-4E67-9AA9-50C0BDA0C5E2}" type="datetimeFigureOut">
               <a:rPr lang="ko-KR" altLang="en-US" smtClean="0"/>
-              <a:t>2023-12-04</a:t>
+              <a:t>2023-12-05</a:t>
             </a:fld>
             <a:endParaRPr lang="ko-KR" altLang="en-US"/>
           </a:p>
@@ -1921,10 +1910,9 @@
           </a:lstStyle>
           <a:p>
             <a:r>
-              <a:rPr lang="ko-KR" altLang="en-US" smtClean="0"/>
+              <a:rPr lang="ko-KR" altLang="en-US"/>
               <a:t>마스터 제목 스타일 편집</a:t>
             </a:r>
-            <a:endParaRPr lang="ko-KR" altLang="en-US"/>
           </a:p>
         </p:txBody>
       </p:sp>
@@ -1978,38 +1966,37 @@
           <a:p>
             <a:pPr lvl="0"/>
             <a:r>
-              <a:rPr lang="ko-KR" altLang="en-US" smtClean="0"/>
+              <a:rPr lang="ko-KR" altLang="en-US"/>
               <a:t>마스터 텍스트 스타일을 편집합니다</a:t>
             </a:r>
           </a:p>
           <a:p>
             <a:pPr lvl="1"/>
             <a:r>
-              <a:rPr lang="ko-KR" altLang="en-US" smtClean="0"/>
+              <a:rPr lang="ko-KR" altLang="en-US"/>
               <a:t>둘째 수준</a:t>
             </a:r>
           </a:p>
           <a:p>
             <a:pPr lvl="2"/>
             <a:r>
-              <a:rPr lang="ko-KR" altLang="en-US" smtClean="0"/>
+              <a:rPr lang="ko-KR" altLang="en-US"/>
               <a:t>셋째 수준</a:t>
             </a:r>
           </a:p>
           <a:p>
             <a:pPr lvl="3"/>
             <a:r>
-              <a:rPr lang="ko-KR" altLang="en-US" smtClean="0"/>
+              <a:rPr lang="ko-KR" altLang="en-US"/>
               <a:t>넷째 수준</a:t>
             </a:r>
           </a:p>
           <a:p>
             <a:pPr lvl="4"/>
             <a:r>
-              <a:rPr lang="ko-KR" altLang="en-US" smtClean="0"/>
+              <a:rPr lang="ko-KR" altLang="en-US"/>
               <a:t>다섯째 수준</a:t>
             </a:r>
-            <a:endParaRPr lang="ko-KR" altLang="en-US"/>
           </a:p>
         </p:txBody>
       </p:sp>
@@ -2072,7 +2059,7 @@
           <a:p>
             <a:pPr lvl="0"/>
             <a:r>
-              <a:rPr lang="ko-KR" altLang="en-US" smtClean="0"/>
+              <a:rPr lang="ko-KR" altLang="en-US"/>
               <a:t>마스터 텍스트 스타일을 편집합니다</a:t>
             </a:r>
           </a:p>
@@ -2095,7 +2082,7 @@
           <a:p>
             <a:fld id="{9764E683-8222-4E67-9AA9-50C0BDA0C5E2}" type="datetimeFigureOut">
               <a:rPr lang="ko-KR" altLang="en-US" smtClean="0"/>
-              <a:t>2023-12-04</a:t>
+              <a:t>2023-12-05</a:t>
             </a:fld>
             <a:endParaRPr lang="ko-KR" altLang="en-US"/>
           </a:p>
@@ -2198,10 +2185,9 @@
           </a:lstStyle>
           <a:p>
             <a:r>
-              <a:rPr lang="ko-KR" altLang="en-US" smtClean="0"/>
+              <a:rPr lang="ko-KR" altLang="en-US"/>
               <a:t>마스터 제목 스타일 편집</a:t>
             </a:r>
-            <a:endParaRPr lang="ko-KR" altLang="en-US"/>
           </a:p>
         </p:txBody>
       </p:sp>
@@ -2325,7 +2311,7 @@
           <a:p>
             <a:pPr lvl="0"/>
             <a:r>
-              <a:rPr lang="ko-KR" altLang="en-US" smtClean="0"/>
+              <a:rPr lang="ko-KR" altLang="en-US"/>
               <a:t>마스터 텍스트 스타일을 편집합니다</a:t>
             </a:r>
           </a:p>
@@ -2348,7 +2334,7 @@
           <a:p>
             <a:fld id="{9764E683-8222-4E67-9AA9-50C0BDA0C5E2}" type="datetimeFigureOut">
               <a:rPr lang="ko-KR" altLang="en-US" smtClean="0"/>
-              <a:t>2023-12-04</a:t>
+              <a:t>2023-12-05</a:t>
             </a:fld>
             <a:endParaRPr lang="ko-KR" altLang="en-US"/>
           </a:p>
@@ -2457,10 +2443,9 @@
           <a:lstStyle/>
           <a:p>
             <a:r>
-              <a:rPr lang="ko-KR" altLang="en-US" smtClean="0"/>
+              <a:rPr lang="ko-KR" altLang="en-US"/>
               <a:t>마스터 제목 스타일 편집</a:t>
             </a:r>
-            <a:endParaRPr lang="ko-KR" altLang="en-US"/>
           </a:p>
         </p:txBody>
       </p:sp>
@@ -2491,38 +2476,37 @@
           <a:p>
             <a:pPr lvl="0"/>
             <a:r>
-              <a:rPr lang="ko-KR" altLang="en-US" smtClean="0"/>
+              <a:rPr lang="ko-KR" altLang="en-US"/>
               <a:t>마스터 텍스트 스타일을 편집합니다</a:t>
             </a:r>
           </a:p>
           <a:p>
             <a:pPr lvl="1"/>
             <a:r>
-              <a:rPr lang="ko-KR" altLang="en-US" smtClean="0"/>
+              <a:rPr lang="ko-KR" altLang="en-US"/>
               <a:t>둘째 수준</a:t>
             </a:r>
           </a:p>
           <a:p>
             <a:pPr lvl="2"/>
             <a:r>
-              <a:rPr lang="ko-KR" altLang="en-US" smtClean="0"/>
+              <a:rPr lang="ko-KR" altLang="en-US"/>
               <a:t>셋째 수준</a:t>
             </a:r>
           </a:p>
           <a:p>
             <a:pPr lvl="3"/>
             <a:r>
-              <a:rPr lang="ko-KR" altLang="en-US" smtClean="0"/>
+              <a:rPr lang="ko-KR" altLang="en-US"/>
               <a:t>넷째 수준</a:t>
             </a:r>
           </a:p>
           <a:p>
             <a:pPr lvl="4"/>
             <a:r>
-              <a:rPr lang="ko-KR" altLang="en-US" smtClean="0"/>
+              <a:rPr lang="ko-KR" altLang="en-US"/>
               <a:t>다섯째 수준</a:t>
             </a:r>
-            <a:endParaRPr lang="ko-KR" altLang="en-US"/>
           </a:p>
         </p:txBody>
       </p:sp>
@@ -2561,7 +2545,7 @@
           <a:p>
             <a:fld id="{9764E683-8222-4E67-9AA9-50C0BDA0C5E2}" type="datetimeFigureOut">
               <a:rPr lang="ko-KR" altLang="en-US" smtClean="0"/>
-              <a:t>2023-12-04</a:t>
+              <a:t>2023-12-05</a:t>
             </a:fld>
             <a:endParaRPr lang="ko-KR" altLang="en-US"/>
           </a:p>
@@ -2989,14 +2973,13 @@
           <a:lstStyle/>
           <a:p>
             <a:r>
-              <a:rPr lang="en-US" altLang="ko-KR" sz="5400" b="1" smtClean="0"/>
+              <a:rPr lang="en-US" altLang="ko-KR" sz="5400" b="1"/>
               <a:t>2D </a:t>
             </a:r>
             <a:r>
-              <a:rPr lang="ko-KR" altLang="en-US" sz="5400" b="1" smtClean="0"/>
+              <a:rPr lang="ko-KR" altLang="en-US" sz="5400" b="1"/>
               <a:t>게임 프로그래밍 최종 발표</a:t>
             </a:r>
-            <a:endParaRPr lang="ko-KR" altLang="en-US" sz="5400" b="1"/>
           </a:p>
         </p:txBody>
       </p:sp>
@@ -3020,25 +3003,24 @@
           <a:bodyPr/>
           <a:lstStyle/>
           <a:p>
-            <a:endParaRPr lang="en-US" altLang="ko-KR" smtClean="0"/>
+            <a:endParaRPr lang="en-US" altLang="ko-KR"/>
           </a:p>
           <a:p>
             <a:pPr marL="0" indent="0">
               <a:buNone/>
             </a:pPr>
             <a:r>
-              <a:rPr lang="ko-KR" altLang="en-US" sz="1600" smtClean="0"/>
+              <a:rPr lang="ko-KR" altLang="en-US" sz="1600"/>
               <a:t>게임공학과 </a:t>
             </a:r>
             <a:r>
-              <a:rPr lang="en-US" altLang="ko-KR" sz="1600" smtClean="0"/>
+              <a:rPr lang="en-US" altLang="ko-KR" sz="1600"/>
               <a:t>2019180035 </a:t>
             </a:r>
             <a:r>
-              <a:rPr lang="ko-KR" altLang="en-US" sz="1600" smtClean="0"/>
+              <a:rPr lang="ko-KR" altLang="en-US" sz="1600"/>
               <a:t>임기준</a:t>
             </a:r>
-            <a:endParaRPr lang="ko-KR" altLang="en-US" sz="1600"/>
           </a:p>
         </p:txBody>
       </p:sp>
@@ -3052,13 +3034,6 @@
   <p:clrMapOvr>
     <a:masterClrMapping/>
   </p:clrMapOvr>
-  <p:timing>
-    <p:tnLst>
-      <p:par>
-        <p:cTn id="1" dur="indefinite" restart="never" nodeType="tmRoot"/>
-      </p:par>
-    </p:tnLst>
-  </p:timing>
 </p:sld>
 </file>
 
@@ -3126,14 +3101,14 @@
           <p:nvPr>
             <p:extLst>
               <p:ext uri="{D42A27DB-BD31-4B8C-83A1-F6EECF244321}">
-                <p14:modId xmlns:p14="http://schemas.microsoft.com/office/powerpoint/2010/main" val="1632827416"/>
+                <p14:modId xmlns:p14="http://schemas.microsoft.com/office/powerpoint/2010/main" val="3387134677"/>
               </p:ext>
             </p:extLst>
           </p:nvPr>
         </p:nvGraphicFramePr>
         <p:xfrm>
-          <a:off x="822516" y="257167"/>
-          <a:ext cx="10577384" cy="6300806"/>
+          <a:off x="807308" y="174220"/>
+          <a:ext cx="10577384" cy="6361766"/>
         </p:xfrm>
         <a:graphic>
           <a:graphicData uri="http://schemas.openxmlformats.org/drawingml/2006/table">
@@ -3142,10 +3117,34 @@
                 <a:tableStyleId>{5C22544A-7EE6-4342-B048-85BDC9FD1C3A}</a:tableStyleId>
               </a:tblPr>
               <a:tblGrid>
-                <a:gridCol w="2644346"/>
-                <a:gridCol w="2644346"/>
-                <a:gridCol w="2644346"/>
-                <a:gridCol w="2644346"/>
+                <a:gridCol w="2644346">
+                  <a:extLst>
+                    <a:ext uri="{9D8B030D-6E8A-4147-A177-3AD203B41FA5}">
+                      <a16:colId xmlns:a16="http://schemas.microsoft.com/office/drawing/2014/main" val="20000"/>
+                    </a:ext>
+                  </a:extLst>
+                </a:gridCol>
+                <a:gridCol w="2644346">
+                  <a:extLst>
+                    <a:ext uri="{9D8B030D-6E8A-4147-A177-3AD203B41FA5}">
+                      <a16:colId xmlns:a16="http://schemas.microsoft.com/office/drawing/2014/main" val="20001"/>
+                    </a:ext>
+                  </a:extLst>
+                </a:gridCol>
+                <a:gridCol w="2644346">
+                  <a:extLst>
+                    <a:ext uri="{9D8B030D-6E8A-4147-A177-3AD203B41FA5}">
+                      <a16:colId xmlns:a16="http://schemas.microsoft.com/office/drawing/2014/main" val="20002"/>
+                    </a:ext>
+                  </a:extLst>
+                </a:gridCol>
+                <a:gridCol w="2644346">
+                  <a:extLst>
+                    <a:ext uri="{9D8B030D-6E8A-4147-A177-3AD203B41FA5}">
+                      <a16:colId xmlns:a16="http://schemas.microsoft.com/office/drawing/2014/main" val="20003"/>
+                    </a:ext>
+                  </a:extLst>
+                </a:gridCol>
               </a:tblGrid>
               <a:tr h="486035">
                 <a:tc>
@@ -3155,10 +3154,9 @@
                     <a:p>
                       <a:pPr algn="ctr" latinLnBrk="1"/>
                       <a:r>
-                        <a:rPr lang="ko-KR" altLang="en-US" sz="1600" smtClean="0"/>
+                        <a:rPr lang="ko-KR" altLang="en-US" sz="1600" dirty="0"/>
                         <a:t>내용</a:t>
                       </a:r>
-                      <a:endParaRPr lang="ko-KR" altLang="en-US" sz="1600"/>
                     </a:p>
                   </a:txBody>
                   <a:tcPr/>
@@ -3170,10 +3168,9 @@
                     <a:p>
                       <a:pPr algn="ctr" latinLnBrk="1"/>
                       <a:r>
-                        <a:rPr lang="ko-KR" altLang="en-US" sz="1600" smtClean="0"/>
+                        <a:rPr lang="ko-KR" altLang="en-US" sz="1600" dirty="0"/>
                         <a:t>목표 범위</a:t>
                       </a:r>
-                      <a:endParaRPr lang="ko-KR" altLang="en-US" sz="1600"/>
                     </a:p>
                   </a:txBody>
                   <a:tcPr/>
@@ -3185,10 +3182,9 @@
                     <a:p>
                       <a:pPr algn="ctr" latinLnBrk="1"/>
                       <a:r>
-                        <a:rPr lang="ko-KR" altLang="en-US" sz="1600" smtClean="0"/>
+                        <a:rPr lang="ko-KR" altLang="en-US" sz="1600"/>
                         <a:t>실제 개발 완료 범위</a:t>
                       </a:r>
-                      <a:endParaRPr lang="ko-KR" altLang="en-US" sz="1600"/>
                     </a:p>
                   </a:txBody>
                   <a:tcPr/>
@@ -3200,14 +3196,18 @@
                     <a:p>
                       <a:pPr algn="ctr" latinLnBrk="1"/>
                       <a:r>
-                        <a:rPr lang="ko-KR" altLang="en-US" sz="1600" smtClean="0"/>
+                        <a:rPr lang="ko-KR" altLang="en-US" sz="1600"/>
                         <a:t>진척도</a:t>
                       </a:r>
-                      <a:endParaRPr lang="ko-KR" altLang="en-US" sz="1600"/>
-                    </a:p>
-                  </a:txBody>
-                  <a:tcPr/>
-                </a:tc>
+                    </a:p>
+                  </a:txBody>
+                  <a:tcPr/>
+                </a:tc>
+                <a:extLst>
+                  <a:ext uri="{0D108BD9-81ED-4DB2-BD59-A6C34878D82A}">
+                    <a16:rowId xmlns:a16="http://schemas.microsoft.com/office/drawing/2014/main" val="10000"/>
+                  </a:ext>
+                </a:extLst>
               </a:tr>
               <a:tr h="576817">
                 <a:tc>
@@ -3217,67 +3217,70 @@
                     <a:p>
                       <a:pPr latinLnBrk="1"/>
                       <a:r>
-                        <a:rPr lang="ko-KR" altLang="en-US" sz="1600" smtClean="0"/>
+                        <a:rPr lang="ko-KR" altLang="en-US" sz="1600" dirty="0"/>
                         <a:t>맵</a:t>
                       </a:r>
+                    </a:p>
+                  </a:txBody>
+                  <a:tcPr/>
+                </a:tc>
+                <a:tc>
+                  <a:txBody>
+                    <a:bodyPr/>
+                    <a:lstStyle/>
+                    <a:p>
+                      <a:pPr latinLnBrk="1"/>
+                      <a:r>
+                        <a:rPr lang="ko-KR" altLang="en-US" sz="1600"/>
+                        <a:t>여러 종류의 지형을 가진 맵 구현</a:t>
+                      </a:r>
+                    </a:p>
+                  </a:txBody>
+                  <a:tcPr/>
+                </a:tc>
+                <a:tc>
+                  <a:txBody>
+                    <a:bodyPr/>
+                    <a:lstStyle/>
+                    <a:p>
+                      <a:pPr latinLnBrk="1"/>
+                      <a:r>
+                        <a:rPr lang="ko-KR" altLang="en-US" sz="1200" baseline="0"/>
+                        <a:t>평지의</a:t>
+                      </a:r>
+                      <a:r>
+                        <a:rPr lang="en-US" altLang="ko-KR" sz="1200" baseline="0"/>
+                        <a:t> 3</a:t>
+                      </a:r>
+                      <a:r>
+                        <a:rPr lang="ko-KR" altLang="en-US" sz="1200" baseline="0"/>
+                        <a:t>종류 맵</a:t>
+                      </a:r>
+                      <a:endParaRPr lang="ko-KR" altLang="en-US" sz="1200"/>
+                    </a:p>
+                  </a:txBody>
+                  <a:tcPr/>
+                </a:tc>
+                <a:tc>
+                  <a:txBody>
+                    <a:bodyPr/>
+                    <a:lstStyle/>
+                    <a:p>
+                      <a:pPr latinLnBrk="1"/>
+                      <a:r>
+                        <a:rPr lang="en-US" altLang="ko-KR" sz="1600"/>
+                        <a:t> 50%</a:t>
+                      </a:r>
                       <a:endParaRPr lang="ko-KR" altLang="en-US" sz="1600"/>
                     </a:p>
                   </a:txBody>
                   <a:tcPr/>
                 </a:tc>
-                <a:tc>
-                  <a:txBody>
-                    <a:bodyPr/>
-                    <a:lstStyle/>
-                    <a:p>
-                      <a:pPr latinLnBrk="1"/>
-                      <a:r>
-                        <a:rPr lang="ko-KR" altLang="en-US" sz="1600" smtClean="0"/>
-                        <a:t>여러 종류의 지형을 가진 맵 구현</a:t>
-                      </a:r>
-                      <a:endParaRPr lang="ko-KR" altLang="en-US" sz="1600"/>
-                    </a:p>
-                  </a:txBody>
-                  <a:tcPr/>
-                </a:tc>
-                <a:tc>
-                  <a:txBody>
-                    <a:bodyPr/>
-                    <a:lstStyle/>
-                    <a:p>
-                      <a:pPr latinLnBrk="1"/>
-                      <a:r>
-                        <a:rPr lang="ko-KR" altLang="en-US" sz="1200" baseline="0" smtClean="0"/>
-                        <a:t>평지의</a:t>
-                      </a:r>
-                      <a:r>
-                        <a:rPr lang="en-US" altLang="ko-KR" sz="1200" baseline="0" smtClean="0"/>
-                        <a:t> 3</a:t>
-                      </a:r>
-                      <a:r>
-                        <a:rPr lang="ko-KR" altLang="en-US" sz="1200" baseline="0" smtClean="0"/>
-                        <a:t>종류 맵</a:t>
-                      </a:r>
-                      <a:endParaRPr lang="ko-KR" altLang="en-US" sz="1200"/>
-                    </a:p>
-                  </a:txBody>
-                  <a:tcPr/>
-                </a:tc>
-                <a:tc>
-                  <a:txBody>
-                    <a:bodyPr/>
-                    <a:lstStyle/>
-                    <a:p>
-                      <a:pPr latinLnBrk="1"/>
-                      <a:r>
-                        <a:rPr lang="en-US" altLang="ko-KR" sz="1600" smtClean="0"/>
-                        <a:t> 50%</a:t>
-                      </a:r>
-                      <a:endParaRPr lang="ko-KR" altLang="en-US" sz="1600"/>
-                    </a:p>
-                  </a:txBody>
-                  <a:tcPr/>
-                </a:tc>
+                <a:extLst>
+                  <a:ext uri="{0D108BD9-81ED-4DB2-BD59-A6C34878D82A}">
+                    <a16:rowId xmlns:a16="http://schemas.microsoft.com/office/drawing/2014/main" val="10001"/>
+                  </a:ext>
+                </a:extLst>
               </a:tr>
               <a:tr h="576817">
                 <a:tc>
@@ -3287,91 +3290,73 @@
                     <a:p>
                       <a:pPr latinLnBrk="1"/>
                       <a:r>
-                        <a:rPr lang="ko-KR" altLang="en-US" sz="1600" smtClean="0"/>
-                        <a:t>캐릭터 컨트롤러</a:t>
-                      </a:r>
-                      <a:endParaRPr lang="ko-KR" altLang="en-US" sz="1600"/>
-                    </a:p>
-                  </a:txBody>
-                  <a:tcPr/>
-                </a:tc>
-                <a:tc>
-                  <a:txBody>
-                    <a:bodyPr/>
-                    <a:lstStyle/>
-                    <a:p>
-                      <a:pPr latinLnBrk="1"/>
-                      <a:r>
-                        <a:rPr lang="ko-KR" altLang="en-US" sz="1600" smtClean="0"/>
-                        <a:t>좌우이동</a:t>
-                      </a:r>
-                      <a:r>
-                        <a:rPr lang="en-US" altLang="ko-KR" sz="1600" smtClean="0"/>
-                        <a:t>, </a:t>
-                      </a:r>
-                      <a:r>
-                        <a:rPr lang="ko-KR" altLang="en-US" sz="1600" smtClean="0"/>
-                        <a:t>텔레포트</a:t>
-                      </a:r>
-                      <a:r>
-                        <a:rPr lang="en-US" altLang="ko-KR" sz="1600" smtClean="0"/>
-                        <a:t>, </a:t>
-                      </a:r>
-                      <a:r>
-                        <a:rPr lang="ko-KR" altLang="en-US" sz="1600" smtClean="0"/>
-                        <a:t>점프</a:t>
-                      </a:r>
-                      <a:endParaRPr lang="ko-KR" altLang="en-US" sz="1600"/>
-                    </a:p>
-                  </a:txBody>
-                  <a:tcPr/>
-                </a:tc>
-                <a:tc>
-                  <a:txBody>
-                    <a:bodyPr/>
-                    <a:lstStyle/>
-                    <a:p>
-                      <a:pPr latinLnBrk="1"/>
-                      <a:r>
-                        <a:rPr lang="ko-KR" altLang="en-US" sz="1200" smtClean="0"/>
-                        <a:t>좌우이동</a:t>
-                      </a:r>
-                      <a:r>
-                        <a:rPr lang="en-US" altLang="ko-KR" sz="1200" smtClean="0"/>
-                        <a:t>, </a:t>
-                      </a:r>
-                      <a:r>
-                        <a:rPr lang="ko-KR" altLang="en-US" sz="1200" smtClean="0"/>
-                        <a:t>딜레이가 있는 </a:t>
-                      </a:r>
-                      <a:r>
-                        <a:rPr lang="en-US" altLang="ko-KR" sz="1200" smtClean="0"/>
-                        <a:t>8</a:t>
-                      </a:r>
-                      <a:r>
-                        <a:rPr lang="ko-KR" altLang="en-US" sz="1200" smtClean="0"/>
-                        <a:t>방향 텔레포트와 점프</a:t>
-                      </a:r>
-                      <a:endParaRPr lang="ko-KR" altLang="en-US" sz="1200"/>
-                    </a:p>
-                  </a:txBody>
-                  <a:tcPr/>
-                </a:tc>
-                <a:tc>
-                  <a:txBody>
-                    <a:bodyPr/>
-                    <a:lstStyle/>
-                    <a:p>
-                      <a:pPr latinLnBrk="1"/>
-                      <a:r>
-                        <a:rPr lang="en-US" altLang="ko-KR" sz="1600" smtClean="0"/>
+                        <a:rPr lang="ko-KR" altLang="en-US" sz="1600" dirty="0"/>
+                        <a:t>스크롤링</a:t>
+                      </a:r>
+                    </a:p>
+                  </a:txBody>
+                  <a:tcPr/>
+                </a:tc>
+                <a:tc>
+                  <a:txBody>
+                    <a:bodyPr/>
+                    <a:lstStyle/>
+                    <a:p>
+                      <a:pPr latinLnBrk="1"/>
+                      <a:r>
+                        <a:rPr lang="ko-KR" altLang="en-US" sz="1600" dirty="0"/>
+                        <a:t>플레이어 중심의 스크롤링</a:t>
+                      </a:r>
+                    </a:p>
+                  </a:txBody>
+                  <a:tcPr/>
+                </a:tc>
+                <a:tc>
+                  <a:txBody>
+                    <a:bodyPr/>
+                    <a:lstStyle/>
+                    <a:p>
+                      <a:pPr latinLnBrk="1"/>
+                      <a:r>
+                        <a:rPr lang="en-US" altLang="ko-KR" sz="1200" dirty="0"/>
+                        <a:t>1</a:t>
+                      </a:r>
+                      <a:r>
+                        <a:rPr lang="ko-KR" altLang="en-US" sz="1200" dirty="0"/>
+                        <a:t>인용 모드에선 플레이어 중심</a:t>
+                      </a:r>
+                      <a:r>
+                        <a:rPr lang="en-US" altLang="ko-KR" sz="1200" dirty="0"/>
+                        <a:t>, 2</a:t>
+                      </a:r>
+                      <a:r>
+                        <a:rPr lang="ko-KR" altLang="en-US" sz="1200" dirty="0"/>
+                        <a:t>인용 모드에선 두 플레이어 좌표의 중앙값 중심</a:t>
+                      </a:r>
+                    </a:p>
+                  </a:txBody>
+                  <a:tcPr/>
+                </a:tc>
+                <a:tc>
+                  <a:txBody>
+                    <a:bodyPr/>
+                    <a:lstStyle/>
+                    <a:p>
+                      <a:pPr latinLnBrk="1"/>
+                      <a:r>
+                        <a:rPr lang="en-US" altLang="ko-KR" sz="1600" dirty="0"/>
                         <a:t>100%</a:t>
                       </a:r>
-                      <a:endParaRPr lang="ko-KR" altLang="en-US" sz="1600"/>
-                    </a:p>
-                  </a:txBody>
-                  <a:tcPr/>
-                </a:tc>
+                      <a:endParaRPr lang="ko-KR" altLang="en-US" sz="1600" dirty="0"/>
+                    </a:p>
+                  </a:txBody>
+                  <a:tcPr/>
+                </a:tc>
+                <a:extLst>
+                  <a:ext uri="{0D108BD9-81ED-4DB2-BD59-A6C34878D82A}">
+                    <a16:rowId xmlns:a16="http://schemas.microsoft.com/office/drawing/2014/main" val="1080374043"/>
+                  </a:ext>
+                </a:extLst>
               </a:tr>
               <a:tr h="576817">
                 <a:tc>
@@ -3381,95 +3366,101 @@
                     <a:p>
                       <a:pPr latinLnBrk="1"/>
                       <a:r>
-                        <a:rPr lang="ko-KR" altLang="en-US" sz="1600" smtClean="0"/>
-                        <a:t>캐릭터 공격 기술</a:t>
+                        <a:rPr lang="ko-KR" altLang="en-US" sz="1600"/>
+                        <a:t>캐릭터 컨트롤러</a:t>
+                      </a:r>
+                    </a:p>
+                  </a:txBody>
+                  <a:tcPr/>
+                </a:tc>
+                <a:tc>
+                  <a:txBody>
+                    <a:bodyPr/>
+                    <a:lstStyle/>
+                    <a:p>
+                      <a:pPr latinLnBrk="1"/>
+                      <a:r>
+                        <a:rPr lang="ko-KR" altLang="en-US" sz="1600" dirty="0"/>
+                        <a:t>좌우이동</a:t>
+                      </a:r>
+                      <a:r>
+                        <a:rPr lang="en-US" altLang="ko-KR" sz="1600" dirty="0"/>
+                        <a:t>, </a:t>
+                      </a:r>
+                      <a:r>
+                        <a:rPr lang="ko-KR" altLang="en-US" sz="1600" dirty="0" err="1"/>
+                        <a:t>텔레포트</a:t>
+                      </a:r>
+                      <a:r>
+                        <a:rPr lang="en-US" altLang="ko-KR" sz="1600" dirty="0"/>
+                        <a:t>, </a:t>
+                      </a:r>
+                      <a:r>
+                        <a:rPr lang="ko-KR" altLang="en-US" sz="1600" dirty="0"/>
+                        <a:t>점프</a:t>
+                      </a:r>
+                    </a:p>
+                  </a:txBody>
+                  <a:tcPr/>
+                </a:tc>
+                <a:tc>
+                  <a:txBody>
+                    <a:bodyPr/>
+                    <a:lstStyle/>
+                    <a:p>
+                      <a:pPr latinLnBrk="1"/>
+                      <a:r>
+                        <a:rPr lang="ko-KR" altLang="en-US" sz="1200" dirty="0"/>
+                        <a:t>좌우이동</a:t>
+                      </a:r>
+                      <a:r>
+                        <a:rPr lang="en-US" altLang="ko-KR" sz="1200" dirty="0"/>
+                        <a:t>, </a:t>
+                      </a:r>
+                      <a:r>
+                        <a:rPr lang="ko-KR" altLang="en-US" sz="1200" dirty="0"/>
+                        <a:t>딜레이가 있는 </a:t>
+                      </a:r>
+                      <a:r>
+                        <a:rPr lang="en-US" altLang="ko-KR" sz="1200" dirty="0"/>
+                        <a:t>8</a:t>
+                      </a:r>
+                      <a:r>
+                        <a:rPr lang="ko-KR" altLang="en-US" sz="1200" dirty="0"/>
+                        <a:t>방향 </a:t>
+                      </a:r>
+                      <a:r>
+                        <a:rPr lang="ko-KR" altLang="en-US" sz="1200" dirty="0" err="1"/>
+                        <a:t>텔레포트와</a:t>
+                      </a:r>
+                      <a:r>
+                        <a:rPr lang="ko-KR" altLang="en-US" sz="1200" dirty="0"/>
+                        <a:t> 점프</a:t>
+                      </a:r>
+                    </a:p>
+                  </a:txBody>
+                  <a:tcPr/>
+                </a:tc>
+                <a:tc>
+                  <a:txBody>
+                    <a:bodyPr/>
+                    <a:lstStyle/>
+                    <a:p>
+                      <a:pPr latinLnBrk="1"/>
+                      <a:r>
+                        <a:rPr lang="en-US" altLang="ko-KR" sz="1600"/>
+                        <a:t>100%</a:t>
                       </a:r>
                       <a:endParaRPr lang="ko-KR" altLang="en-US" sz="1600"/>
                     </a:p>
                   </a:txBody>
                   <a:tcPr/>
                 </a:tc>
-                <a:tc>
-                  <a:txBody>
-                    <a:bodyPr/>
-                    <a:lstStyle/>
-                    <a:p>
-                      <a:pPr latinLnBrk="1"/>
-                      <a:r>
-                        <a:rPr lang="ko-KR" altLang="en-US" sz="1600" smtClean="0"/>
-                        <a:t>일반 공격</a:t>
-                      </a:r>
-                      <a:r>
-                        <a:rPr lang="en-US" altLang="ko-KR" sz="1600" smtClean="0"/>
-                        <a:t>, </a:t>
-                      </a:r>
-                      <a:r>
-                        <a:rPr lang="ko-KR" altLang="en-US" sz="1600" smtClean="0"/>
-                        <a:t>스킬</a:t>
-                      </a:r>
-                      <a:r>
-                        <a:rPr lang="en-US" altLang="ko-KR" sz="1600" smtClean="0"/>
-                        <a:t>, </a:t>
-                      </a:r>
-                      <a:r>
-                        <a:rPr lang="ko-KR" altLang="en-US" sz="1600" smtClean="0"/>
-                        <a:t>투척 공격</a:t>
-                      </a:r>
-                      <a:endParaRPr lang="ko-KR" altLang="en-US" sz="1600"/>
-                    </a:p>
-                  </a:txBody>
-                  <a:tcPr/>
-                </a:tc>
-                <a:tc>
-                  <a:txBody>
-                    <a:bodyPr/>
-                    <a:lstStyle/>
-                    <a:p>
-                      <a:pPr latinLnBrk="1"/>
-                      <a:r>
-                        <a:rPr lang="ko-KR" altLang="en-US" sz="1200" smtClean="0"/>
-                        <a:t>일정 시간 안에 연속으로 시전</a:t>
-                      </a:r>
-                      <a:r>
-                        <a:rPr lang="ko-KR" altLang="en-US" sz="1200" baseline="0" smtClean="0"/>
-                        <a:t> 시 더 강해지는 일반 공격</a:t>
-                      </a:r>
-                      <a:r>
-                        <a:rPr lang="en-US" altLang="ko-KR" sz="1200" baseline="0" smtClean="0"/>
-                        <a:t>, </a:t>
-                      </a:r>
-                      <a:r>
-                        <a:rPr lang="ko-KR" altLang="en-US" sz="1200" baseline="0" smtClean="0"/>
-                        <a:t>수리검 투척</a:t>
-                      </a:r>
-                      <a:r>
-                        <a:rPr lang="en-US" altLang="ko-KR" sz="1200" baseline="0" smtClean="0"/>
-                        <a:t>, 2</a:t>
-                      </a:r>
-                      <a:r>
-                        <a:rPr lang="ko-KR" altLang="en-US" sz="1200" baseline="0" smtClean="0"/>
-                        <a:t>가지의 특수 스킬</a:t>
-                      </a:r>
-                      <a:endParaRPr lang="ko-KR" altLang="en-US" sz="1200"/>
-                    </a:p>
-                  </a:txBody>
-                  <a:tcPr/>
-                </a:tc>
-                <a:tc>
-                  <a:txBody>
-                    <a:bodyPr/>
-                    <a:lstStyle/>
-                    <a:p>
-                      <a:pPr latinLnBrk="1"/>
-                      <a:r>
-                        <a:rPr lang="en-US" altLang="ko-KR" sz="1600" smtClean="0"/>
-                        <a:t>100%</a:t>
-                      </a:r>
-                      <a:endParaRPr lang="ko-KR" altLang="en-US" sz="1600"/>
-                    </a:p>
-                  </a:txBody>
-                  <a:tcPr/>
-                </a:tc>
+                <a:extLst>
+                  <a:ext uri="{0D108BD9-81ED-4DB2-BD59-A6C34878D82A}">
+                    <a16:rowId xmlns:a16="http://schemas.microsoft.com/office/drawing/2014/main" val="10002"/>
+                  </a:ext>
+                </a:extLst>
               </a:tr>
               <a:tr h="576817">
                 <a:tc>
@@ -3479,90 +3470,102 @@
                     <a:p>
                       <a:pPr latinLnBrk="1"/>
                       <a:r>
-                        <a:rPr lang="ko-KR" altLang="en-US" sz="1600" smtClean="0"/>
-                        <a:t>캐릭터 피격 모션</a:t>
+                        <a:rPr lang="ko-KR" altLang="en-US" sz="1600"/>
+                        <a:t>캐릭터 공격 기술</a:t>
+                      </a:r>
+                    </a:p>
+                  </a:txBody>
+                  <a:tcPr/>
+                </a:tc>
+                <a:tc>
+                  <a:txBody>
+                    <a:bodyPr/>
+                    <a:lstStyle/>
+                    <a:p>
+                      <a:pPr latinLnBrk="1"/>
+                      <a:r>
+                        <a:rPr lang="ko-KR" altLang="en-US" sz="1600" dirty="0"/>
+                        <a:t>일반 공격</a:t>
+                      </a:r>
+                      <a:r>
+                        <a:rPr lang="en-US" altLang="ko-KR" sz="1600" dirty="0"/>
+                        <a:t>, </a:t>
+                      </a:r>
+                      <a:r>
+                        <a:rPr lang="ko-KR" altLang="en-US" sz="1600" dirty="0"/>
+                        <a:t>스킬</a:t>
+                      </a:r>
+                      <a:r>
+                        <a:rPr lang="en-US" altLang="ko-KR" sz="1600" dirty="0"/>
+                        <a:t>, </a:t>
+                      </a:r>
+                      <a:r>
+                        <a:rPr lang="ko-KR" altLang="en-US" sz="1600" dirty="0"/>
+                        <a:t>투척 공격</a:t>
+                      </a:r>
+                    </a:p>
+                  </a:txBody>
+                  <a:tcPr/>
+                </a:tc>
+                <a:tc>
+                  <a:txBody>
+                    <a:bodyPr/>
+                    <a:lstStyle/>
+                    <a:p>
+                      <a:pPr latinLnBrk="1"/>
+                      <a:r>
+                        <a:rPr lang="ko-KR" altLang="en-US" sz="1200" dirty="0"/>
+                        <a:t>일정 시간 안에 연속으로 시전</a:t>
+                      </a:r>
+                      <a:r>
+                        <a:rPr lang="ko-KR" altLang="en-US" sz="1200" baseline="0" dirty="0"/>
+                        <a:t> 시 더 강해지는 일반 공격</a:t>
+                      </a:r>
+                      <a:r>
+                        <a:rPr lang="en-US" altLang="ko-KR" sz="1200" baseline="0" dirty="0"/>
+                        <a:t>, </a:t>
+                      </a:r>
+                      <a:r>
+                        <a:rPr lang="ko-KR" altLang="en-US" sz="1200" baseline="0" dirty="0" err="1"/>
+                        <a:t>수리검</a:t>
+                      </a:r>
+                      <a:r>
+                        <a:rPr lang="ko-KR" altLang="en-US" sz="1200" baseline="0" dirty="0"/>
+                        <a:t> 투척</a:t>
+                      </a:r>
+                      <a:r>
+                        <a:rPr lang="en-US" altLang="ko-KR" sz="1200" baseline="0" dirty="0"/>
+                        <a:t>, 2</a:t>
+                      </a:r>
+                      <a:r>
+                        <a:rPr lang="ko-KR" altLang="en-US" sz="1200" baseline="0" dirty="0"/>
+                        <a:t>가지의 특수 스킬</a:t>
+                      </a:r>
+                      <a:endParaRPr lang="ko-KR" altLang="en-US" sz="1200" dirty="0"/>
+                    </a:p>
+                  </a:txBody>
+                  <a:tcPr/>
+                </a:tc>
+                <a:tc>
+                  <a:txBody>
+                    <a:bodyPr/>
+                    <a:lstStyle/>
+                    <a:p>
+                      <a:pPr latinLnBrk="1"/>
+                      <a:r>
+                        <a:rPr lang="en-US" altLang="ko-KR" sz="1600"/>
+                        <a:t>100%</a:t>
                       </a:r>
                       <a:endParaRPr lang="ko-KR" altLang="en-US" sz="1600"/>
                     </a:p>
                   </a:txBody>
                   <a:tcPr/>
                 </a:tc>
-                <a:tc>
-                  <a:txBody>
-                    <a:bodyPr/>
-                    <a:lstStyle/>
-                    <a:p>
-                      <a:pPr latinLnBrk="1"/>
-                      <a:r>
-                        <a:rPr lang="ko-KR" altLang="en-US" sz="1600" smtClean="0"/>
-                        <a:t>일반 피격 모션</a:t>
-                      </a:r>
-                      <a:r>
-                        <a:rPr lang="en-US" altLang="ko-KR" sz="1600" smtClean="0"/>
-                        <a:t>, </a:t>
-                      </a:r>
-                      <a:r>
-                        <a:rPr lang="ko-KR" altLang="en-US" sz="1600" smtClean="0"/>
-                        <a:t>강한 피격 모션</a:t>
-                      </a:r>
-                      <a:endParaRPr lang="ko-KR" altLang="en-US" sz="1600"/>
-                    </a:p>
-                  </a:txBody>
-                  <a:tcPr/>
-                </a:tc>
-                <a:tc>
-                  <a:txBody>
-                    <a:bodyPr/>
-                    <a:lstStyle/>
-                    <a:p>
-                      <a:pPr marL="0" marR="0" indent="0" algn="l" defTabSz="914400" rtl="0" eaLnBrk="1" fontAlgn="auto" latinLnBrk="1" hangingPunct="1">
-                        <a:lnSpc>
-                          <a:spcPct val="100000"/>
-                        </a:lnSpc>
-                        <a:spcBef>
-                          <a:spcPts val="0"/>
-                        </a:spcBef>
-                        <a:spcAft>
-                          <a:spcPts val="0"/>
-                        </a:spcAft>
-                        <a:buClrTx/>
-                        <a:buSzTx/>
-                        <a:buFontTx/>
-                        <a:buNone/>
-                        <a:tabLst/>
-                        <a:defRPr/>
-                      </a:pPr>
-                      <a:r>
-                        <a:rPr lang="ko-KR" altLang="en-US" sz="1200" smtClean="0"/>
-                        <a:t>일반 피격 모션</a:t>
-                      </a:r>
-                      <a:r>
-                        <a:rPr lang="en-US" altLang="ko-KR" sz="1200" smtClean="0"/>
-                        <a:t>, </a:t>
-                      </a:r>
-                      <a:r>
-                        <a:rPr lang="ko-KR" altLang="en-US" sz="1200" smtClean="0"/>
-                        <a:t>강한 피격 모션</a:t>
-                      </a:r>
-                    </a:p>
-                  </a:txBody>
-                  <a:tcPr/>
-                </a:tc>
-                <a:tc>
-                  <a:txBody>
-                    <a:bodyPr/>
-                    <a:lstStyle/>
-                    <a:p>
-                      <a:pPr latinLnBrk="1"/>
-                      <a:r>
-                        <a:rPr lang="en-US" altLang="ko-KR" sz="1600" smtClean="0"/>
-                        <a:t>100%</a:t>
-                      </a:r>
-                      <a:endParaRPr lang="ko-KR" altLang="en-US" sz="1600"/>
-                    </a:p>
-                  </a:txBody>
-                  <a:tcPr/>
-                </a:tc>
+                <a:extLst>
+                  <a:ext uri="{0D108BD9-81ED-4DB2-BD59-A6C34878D82A}">
+                    <a16:rowId xmlns:a16="http://schemas.microsoft.com/office/drawing/2014/main" val="10003"/>
+                  </a:ext>
+                </a:extLst>
               </a:tr>
               <a:tr h="576817">
                 <a:tc>
@@ -3572,69 +3575,67 @@
                     <a:p>
                       <a:pPr latinLnBrk="1"/>
                       <a:r>
-                        <a:rPr lang="ko-KR" altLang="en-US" sz="1600" smtClean="0"/>
+                        <a:rPr lang="ko-KR" altLang="en-US" sz="1600"/>
                         <a:t>모델링</a:t>
                       </a:r>
-                      <a:endParaRPr lang="ko-KR" altLang="en-US" sz="1600"/>
-                    </a:p>
-                  </a:txBody>
-                  <a:tcPr/>
-                </a:tc>
-                <a:tc>
-                  <a:txBody>
-                    <a:bodyPr/>
-                    <a:lstStyle/>
-                    <a:p>
-                      <a:pPr latinLnBrk="1"/>
-                      <a:r>
-                        <a:rPr lang="en-US" altLang="ko-KR" sz="1600" smtClean="0"/>
+                    </a:p>
+                  </a:txBody>
+                  <a:tcPr/>
+                </a:tc>
+                <a:tc>
+                  <a:txBody>
+                    <a:bodyPr/>
+                    <a:lstStyle/>
+                    <a:p>
+                      <a:pPr latinLnBrk="1"/>
+                      <a:r>
+                        <a:rPr lang="en-US" altLang="ko-KR" sz="1600"/>
                         <a:t>3</a:t>
                       </a:r>
                       <a:r>
-                        <a:rPr lang="ko-KR" altLang="en-US" sz="1600" smtClean="0"/>
+                        <a:rPr lang="ko-KR" altLang="en-US" sz="1600"/>
                         <a:t>종류의 캐릭터</a:t>
                       </a:r>
-                      <a:endParaRPr lang="ko-KR" altLang="en-US" sz="1600"/>
-                    </a:p>
-                  </a:txBody>
-                  <a:tcPr/>
-                </a:tc>
-                <a:tc>
-                  <a:txBody>
-                    <a:bodyPr/>
-                    <a:lstStyle/>
-                    <a:p>
-                      <a:pPr latinLnBrk="1"/>
-                      <a:r>
-                        <a:rPr lang="ko-KR" altLang="en-US" sz="1200" smtClean="0"/>
+                    </a:p>
+                  </a:txBody>
+                  <a:tcPr/>
+                </a:tc>
+                <a:tc>
+                  <a:txBody>
+                    <a:bodyPr/>
+                    <a:lstStyle/>
+                    <a:p>
+                      <a:pPr latinLnBrk="1"/>
+                      <a:r>
+                        <a:rPr lang="ko-KR" altLang="en-US" sz="1200"/>
                         <a:t>플레이 가능한 </a:t>
                       </a:r>
                       <a:r>
-                        <a:rPr lang="en-US" altLang="ko-KR" sz="1200" smtClean="0"/>
+                        <a:rPr lang="en-US" altLang="ko-KR" sz="1200"/>
                         <a:t>3</a:t>
                       </a:r>
                       <a:r>
-                        <a:rPr lang="ko-KR" altLang="en-US" sz="1200" smtClean="0"/>
+                        <a:rPr lang="ko-KR" altLang="en-US" sz="1200"/>
                         <a:t>종류의 캐릭터</a:t>
                       </a:r>
                       <a:r>
-                        <a:rPr lang="en-US" altLang="ko-KR" sz="1200" smtClean="0"/>
+                        <a:rPr lang="en-US" altLang="ko-KR" sz="1200"/>
                         <a:t>, 3</a:t>
                       </a:r>
                       <a:r>
-                        <a:rPr lang="ko-KR" altLang="en-US" sz="1200" smtClean="0"/>
+                        <a:rPr lang="ko-KR" altLang="en-US" sz="1200"/>
                         <a:t>종류의 </a:t>
                       </a:r>
                       <a:r>
-                        <a:rPr lang="en-US" altLang="ko-KR" sz="1200" smtClean="0"/>
+                        <a:rPr lang="en-US" altLang="ko-KR" sz="1200"/>
                         <a:t>AI </a:t>
                       </a:r>
                       <a:r>
-                        <a:rPr lang="ko-KR" altLang="en-US" sz="1200" smtClean="0"/>
+                        <a:rPr lang="ko-KR" altLang="en-US" sz="1200"/>
                         <a:t>캐릭터</a:t>
                       </a:r>
                       <a:r>
-                        <a:rPr lang="en-US" altLang="ko-KR" sz="1200" baseline="0" smtClean="0"/>
+                        <a:rPr lang="en-US" altLang="ko-KR" sz="1200" baseline="0"/>
                         <a:t> </a:t>
                       </a:r>
                       <a:endParaRPr lang="ko-KR" altLang="en-US" sz="1200"/>
@@ -3649,14 +3650,19 @@
                     <a:p>
                       <a:pPr latinLnBrk="1"/>
                       <a:r>
-                        <a:rPr lang="en-US" altLang="ko-KR" sz="1600" smtClean="0"/>
+                        <a:rPr lang="en-US" altLang="ko-KR" sz="1600" dirty="0"/>
                         <a:t>100%</a:t>
                       </a:r>
-                      <a:endParaRPr lang="ko-KR" altLang="en-US" sz="1600"/>
-                    </a:p>
-                  </a:txBody>
-                  <a:tcPr/>
-                </a:tc>
+                      <a:endParaRPr lang="ko-KR" altLang="en-US" sz="1600" dirty="0"/>
+                    </a:p>
+                  </a:txBody>
+                  <a:tcPr/>
+                </a:tc>
+                <a:extLst>
+                  <a:ext uri="{0D108BD9-81ED-4DB2-BD59-A6C34878D82A}">
+                    <a16:rowId xmlns:a16="http://schemas.microsoft.com/office/drawing/2014/main" val="10005"/>
+                  </a:ext>
+                </a:extLst>
               </a:tr>
               <a:tr h="576817">
                 <a:tc>
@@ -3666,111 +3672,114 @@
                     <a:p>
                       <a:pPr latinLnBrk="1"/>
                       <a:r>
-                        <a:rPr lang="ko-KR" altLang="en-US" sz="1600" smtClean="0"/>
+                        <a:rPr lang="ko-KR" altLang="en-US" sz="1600"/>
                         <a:t>애니메이션</a:t>
                       </a:r>
-                      <a:endParaRPr lang="ko-KR" altLang="en-US" sz="1600"/>
-                    </a:p>
-                  </a:txBody>
-                  <a:tcPr/>
-                </a:tc>
-                <a:tc>
-                  <a:txBody>
-                    <a:bodyPr/>
-                    <a:lstStyle/>
-                    <a:p>
-                      <a:pPr latinLnBrk="1"/>
-                      <a:r>
-                        <a:rPr lang="ko-KR" altLang="en-US" sz="1600" smtClean="0"/>
+                    </a:p>
+                  </a:txBody>
+                  <a:tcPr/>
+                </a:tc>
+                <a:tc>
+                  <a:txBody>
+                    <a:bodyPr/>
+                    <a:lstStyle/>
+                    <a:p>
+                      <a:pPr latinLnBrk="1"/>
+                      <a:r>
+                        <a:rPr lang="ko-KR" altLang="en-US" sz="1600"/>
                         <a:t>모든 컨트롤러에 대한 애니메이션</a:t>
                       </a:r>
-                      <a:endParaRPr lang="ko-KR" altLang="en-US" sz="1600"/>
-                    </a:p>
-                  </a:txBody>
-                  <a:tcPr/>
-                </a:tc>
-                <a:tc>
-                  <a:txBody>
-                    <a:bodyPr/>
-                    <a:lstStyle/>
-                    <a:p>
-                      <a:pPr latinLnBrk="1"/>
-                      <a:r>
-                        <a:rPr lang="en-US" altLang="ko-KR" sz="1200" smtClean="0"/>
+                    </a:p>
+                  </a:txBody>
+                  <a:tcPr/>
+                </a:tc>
+                <a:tc>
+                  <a:txBody>
+                    <a:bodyPr/>
+                    <a:lstStyle/>
+                    <a:p>
+                      <a:pPr latinLnBrk="1"/>
+                      <a:r>
+                        <a:rPr lang="en-US" altLang="ko-KR" sz="1200" dirty="0"/>
                         <a:t>Idle,</a:t>
                       </a:r>
                       <a:r>
-                        <a:rPr lang="en-US" altLang="ko-KR" sz="1200" baseline="0" smtClean="0"/>
+                        <a:rPr lang="en-US" altLang="ko-KR" sz="1200" baseline="0" dirty="0"/>
                         <a:t> Run, Jump, Teleport, 2</a:t>
                       </a:r>
                       <a:r>
-                        <a:rPr lang="ko-KR" altLang="en-US" sz="1200" baseline="0" smtClean="0"/>
+                        <a:rPr lang="ko-KR" altLang="en-US" sz="1200" baseline="0" dirty="0"/>
                         <a:t>가지 </a:t>
                       </a:r>
                       <a:r>
-                        <a:rPr lang="en-US" altLang="ko-KR" sz="1200" baseline="0" smtClean="0"/>
+                        <a:rPr lang="en-US" altLang="ko-KR" sz="1200" baseline="0" dirty="0"/>
                         <a:t>Hit motion, 2</a:t>
                       </a:r>
                       <a:r>
-                        <a:rPr lang="ko-KR" altLang="en-US" sz="1200" baseline="0" smtClean="0"/>
+                        <a:rPr lang="ko-KR" altLang="en-US" sz="1200" baseline="0" dirty="0"/>
                         <a:t>가지 </a:t>
                       </a:r>
                       <a:r>
-                        <a:rPr lang="en-US" altLang="ko-KR" sz="1200" baseline="0" smtClean="0"/>
+                        <a:rPr lang="en-US" altLang="ko-KR" sz="1200" baseline="0" dirty="0"/>
                         <a:t>Skill motion, 2</a:t>
                       </a:r>
                       <a:r>
-                        <a:rPr lang="ko-KR" altLang="en-US" sz="1200" baseline="0" smtClean="0"/>
+                        <a:rPr lang="ko-KR" altLang="en-US" sz="1200" baseline="0" dirty="0"/>
                         <a:t>가지 투척 모션</a:t>
                       </a:r>
                       <a:r>
-                        <a:rPr lang="en-US" altLang="ko-KR" sz="1200" baseline="0" smtClean="0"/>
+                        <a:rPr lang="en-US" altLang="ko-KR" sz="1200" baseline="0" dirty="0"/>
                         <a:t>, </a:t>
                       </a:r>
                       <a:r>
-                        <a:rPr lang="ko-KR" altLang="en-US" sz="1200" baseline="0" smtClean="0"/>
+                        <a:rPr lang="ko-KR" altLang="en-US" sz="1200" baseline="0" dirty="0" err="1"/>
                         <a:t>승리모션</a:t>
                       </a:r>
                       <a:r>
-                        <a:rPr lang="en-US" altLang="ko-KR" sz="1200" baseline="0" smtClean="0"/>
+                        <a:rPr lang="en-US" altLang="ko-KR" sz="1200" baseline="0" dirty="0"/>
                         <a:t>, </a:t>
                       </a:r>
                       <a:r>
-                        <a:rPr lang="ko-KR" altLang="en-US" sz="1200" baseline="0" smtClean="0"/>
+                        <a:rPr lang="ko-KR" altLang="en-US" sz="1200" baseline="0" dirty="0" err="1"/>
                         <a:t>패배모션</a:t>
                       </a:r>
                       <a:r>
-                        <a:rPr lang="en-US" altLang="ko-KR" sz="1200" baseline="0" smtClean="0"/>
+                        <a:rPr lang="en-US" altLang="ko-KR" sz="1200" baseline="0" dirty="0"/>
                         <a:t>, </a:t>
                       </a:r>
                       <a:r>
-                        <a:rPr lang="ko-KR" altLang="en-US" sz="1200" baseline="0" smtClean="0"/>
+                        <a:rPr lang="ko-KR" altLang="en-US" sz="1200" baseline="0" dirty="0"/>
                         <a:t>타이틀 화면</a:t>
                       </a:r>
                       <a:r>
-                        <a:rPr lang="en-US" altLang="ko-KR" sz="1200" baseline="0" smtClean="0"/>
-                        <a:t>, </a:t>
-                      </a:r>
-                      <a:endParaRPr lang="ko-KR" altLang="en-US" sz="1200"/>
-                    </a:p>
-                  </a:txBody>
-                  <a:tcPr/>
-                </a:tc>
-                <a:tc>
-                  <a:txBody>
-                    <a:bodyPr/>
-                    <a:lstStyle/>
-                    <a:p>
-                      <a:pPr latinLnBrk="1"/>
-                      <a:r>
-                        <a:rPr lang="en-US" altLang="ko-KR" sz="1600" smtClean="0"/>
+                        <a:rPr lang="en-US" altLang="ko-KR" sz="1200" baseline="0" dirty="0"/>
+                        <a:t> </a:t>
+                      </a:r>
+                      <a:endParaRPr lang="ko-KR" altLang="en-US" sz="1200" dirty="0"/>
+                    </a:p>
+                  </a:txBody>
+                  <a:tcPr/>
+                </a:tc>
+                <a:tc>
+                  <a:txBody>
+                    <a:bodyPr/>
+                    <a:lstStyle/>
+                    <a:p>
+                      <a:pPr latinLnBrk="1"/>
+                      <a:r>
+                        <a:rPr lang="en-US" altLang="ko-KR" sz="1600" dirty="0"/>
                         <a:t>100%</a:t>
                       </a:r>
-                      <a:endParaRPr lang="ko-KR" altLang="en-US" sz="1600"/>
-                    </a:p>
-                  </a:txBody>
-                  <a:tcPr/>
-                </a:tc>
+                      <a:endParaRPr lang="ko-KR" altLang="en-US" sz="1600" dirty="0"/>
+                    </a:p>
+                  </a:txBody>
+                  <a:tcPr/>
+                </a:tc>
+                <a:extLst>
+                  <a:ext uri="{0D108BD9-81ED-4DB2-BD59-A6C34878D82A}">
+                    <a16:rowId xmlns:a16="http://schemas.microsoft.com/office/drawing/2014/main" val="10006"/>
+                  </a:ext>
+                </a:extLst>
               </a:tr>
               <a:tr h="576817">
                 <a:tc>
@@ -3780,115 +3789,121 @@
                     <a:p>
                       <a:pPr latinLnBrk="1"/>
                       <a:r>
-                        <a:rPr lang="ko-KR" altLang="en-US" sz="1600" smtClean="0"/>
+                        <a:rPr lang="ko-KR" altLang="en-US" sz="1600"/>
                         <a:t>게임 모드</a:t>
                       </a:r>
-                      <a:endParaRPr lang="ko-KR" altLang="en-US" sz="1600"/>
-                    </a:p>
-                  </a:txBody>
-                  <a:tcPr/>
-                </a:tc>
-                <a:tc>
-                  <a:txBody>
-                    <a:bodyPr/>
-                    <a:lstStyle/>
-                    <a:p>
-                      <a:pPr latinLnBrk="1"/>
-                      <a:r>
-                        <a:rPr lang="en-US" altLang="ko-KR" sz="1600" smtClean="0"/>
+                    </a:p>
+                  </a:txBody>
+                  <a:tcPr/>
+                </a:tc>
+                <a:tc>
+                  <a:txBody>
+                    <a:bodyPr/>
+                    <a:lstStyle/>
+                    <a:p>
+                      <a:pPr latinLnBrk="1"/>
+                      <a:r>
+                        <a:rPr lang="en-US" altLang="ko-KR" sz="1600"/>
                         <a:t>1</a:t>
                       </a:r>
                       <a:r>
-                        <a:rPr lang="ko-KR" altLang="en-US" sz="1600" smtClean="0"/>
+                        <a:rPr lang="ko-KR" altLang="en-US" sz="1600"/>
                         <a:t>인용</a:t>
                       </a:r>
                       <a:r>
-                        <a:rPr lang="en-US" altLang="ko-KR" sz="1600" smtClean="0"/>
+                        <a:rPr lang="en-US" altLang="ko-KR" sz="1600"/>
                         <a:t>, 2</a:t>
                       </a:r>
                       <a:r>
-                        <a:rPr lang="ko-KR" altLang="en-US" sz="1600" smtClean="0"/>
+                        <a:rPr lang="ko-KR" altLang="en-US" sz="1600"/>
                         <a:t>인용</a:t>
                       </a:r>
-                      <a:endParaRPr lang="ko-KR" altLang="en-US" sz="1600"/>
-                    </a:p>
-                  </a:txBody>
-                  <a:tcPr/>
-                </a:tc>
-                <a:tc>
-                  <a:txBody>
-                    <a:bodyPr/>
-                    <a:lstStyle/>
-                    <a:p>
-                      <a:pPr latinLnBrk="1"/>
-                      <a:r>
-                        <a:rPr lang="en-US" altLang="ko-KR" sz="1200" smtClean="0"/>
+                    </a:p>
+                  </a:txBody>
+                  <a:tcPr/>
+                </a:tc>
+                <a:tc>
+                  <a:txBody>
+                    <a:bodyPr/>
+                    <a:lstStyle/>
+                    <a:p>
+                      <a:pPr latinLnBrk="1"/>
+                      <a:r>
+                        <a:rPr lang="en-US" altLang="ko-KR" sz="1200" dirty="0"/>
                         <a:t>3</a:t>
                       </a:r>
                       <a:r>
-                        <a:rPr lang="ko-KR" altLang="en-US" sz="1200" smtClean="0"/>
+                        <a:rPr lang="ko-KR" altLang="en-US" sz="1200" dirty="0"/>
                         <a:t> 라운드의 </a:t>
                       </a:r>
                       <a:r>
-                        <a:rPr lang="en-US" altLang="ko-KR" sz="1200" smtClean="0"/>
+                        <a:rPr lang="en-US" altLang="ko-KR" sz="1200" dirty="0"/>
                         <a:t>AI</a:t>
                       </a:r>
                       <a:r>
-                        <a:rPr lang="ko-KR" altLang="en-US" sz="1200" smtClean="0"/>
+                        <a:rPr lang="ko-KR" altLang="en-US" sz="1200" dirty="0"/>
                         <a:t>를 상대하는 </a:t>
                       </a:r>
                       <a:r>
-                        <a:rPr lang="en-US" altLang="ko-KR" sz="1200" smtClean="0"/>
+                        <a:rPr lang="en-US" altLang="ko-KR" sz="1200" dirty="0"/>
                         <a:t>1</a:t>
                       </a:r>
                       <a:r>
-                        <a:rPr lang="ko-KR" altLang="en-US" sz="1200" smtClean="0"/>
+                        <a:rPr lang="ko-KR" altLang="en-US" sz="1200" dirty="0"/>
                         <a:t>인용 모드</a:t>
                       </a:r>
                       <a:r>
-                        <a:rPr lang="en-US" altLang="ko-KR" sz="1200" smtClean="0"/>
+                        <a:rPr lang="en-US" altLang="ko-KR" sz="1200" dirty="0"/>
                         <a:t>, </a:t>
                       </a:r>
                       <a:r>
-                        <a:rPr lang="ko-KR" altLang="en-US" sz="1200" smtClean="0"/>
-                        <a:t>하나의 컴퓨터에서 </a:t>
-                      </a:r>
-                      <a:r>
-                        <a:rPr lang="en-US" altLang="ko-KR" sz="1200" smtClean="0"/>
-                        <a:t>pvp </a:t>
-                      </a:r>
-                      <a:r>
-                        <a:rPr lang="ko-KR" altLang="en-US" sz="1200" smtClean="0"/>
-                        <a:t>형식의 </a:t>
-                      </a:r>
-                      <a:r>
-                        <a:rPr lang="en-US" altLang="ko-KR" sz="1200" smtClean="0"/>
+                        <a:rPr lang="ko-KR" altLang="en-US" sz="1200" dirty="0"/>
+                        <a:t>하나의 컴퓨터에서의 </a:t>
+                      </a:r>
+                      <a:r>
+                        <a:rPr lang="en-US" altLang="ko-KR" sz="1200" dirty="0" err="1"/>
+                        <a:t>pvp</a:t>
+                      </a:r>
+                      <a:r>
+                        <a:rPr lang="en-US" altLang="ko-KR" sz="1200" dirty="0"/>
+                        <a:t> </a:t>
+                      </a:r>
+                      <a:r>
+                        <a:rPr lang="ko-KR" altLang="en-US" sz="1200" dirty="0"/>
+                        <a:t>형식 </a:t>
+                      </a:r>
+                      <a:r>
+                        <a:rPr lang="en-US" altLang="ko-KR" sz="1200" dirty="0"/>
                         <a:t>2</a:t>
                       </a:r>
                       <a:r>
-                        <a:rPr lang="ko-KR" altLang="en-US" sz="1200" smtClean="0"/>
+                        <a:rPr lang="ko-KR" altLang="en-US" sz="1200" dirty="0"/>
                         <a:t>인용 모드 </a:t>
                       </a:r>
-                      <a:endParaRPr lang="ko-KR" altLang="en-US" sz="1200"/>
-                    </a:p>
-                  </a:txBody>
-                  <a:tcPr/>
-                </a:tc>
-                <a:tc>
-                  <a:txBody>
-                    <a:bodyPr/>
-                    <a:lstStyle/>
-                    <a:p>
-                      <a:pPr latinLnBrk="1"/>
-                      <a:r>
-                        <a:rPr lang="en-US" altLang="ko-KR" sz="1600" smtClean="0"/>
+                    </a:p>
+                  </a:txBody>
+                  <a:tcPr/>
+                </a:tc>
+                <a:tc>
+                  <a:txBody>
+                    <a:bodyPr/>
+                    <a:lstStyle/>
+                    <a:p>
+                      <a:pPr latinLnBrk="1"/>
+                      <a:r>
+                        <a:rPr lang="en-US" altLang="ko-KR" sz="1600" dirty="0"/>
                         <a:t>100%</a:t>
                       </a:r>
-                      <a:endParaRPr lang="ko-KR" altLang="en-US" sz="1600"/>
-                    </a:p>
-                  </a:txBody>
-                  <a:tcPr/>
-                </a:tc>
+                      <a:endParaRPr lang="ko-KR" altLang="en-US" sz="1600" dirty="0"/>
+                    </a:p>
+                  </a:txBody>
+                  <a:tcPr/>
+                </a:tc>
+                <a:extLst>
+                  <a:ext uri="{0D108BD9-81ED-4DB2-BD59-A6C34878D82A}">
+                    <a16:rowId xmlns:a16="http://schemas.microsoft.com/office/drawing/2014/main" val="10007"/>
+                  </a:ext>
+                </a:extLst>
               </a:tr>
               <a:tr h="576817">
                 <a:tc>
@@ -3898,13 +3913,27 @@
                     <a:p>
                       <a:pPr latinLnBrk="1"/>
                       <a:r>
-                        <a:rPr lang="en-US" altLang="ko-KR" sz="1600" smtClean="0"/>
+                        <a:rPr lang="en-US" altLang="ko-KR" sz="1600"/>
                         <a:t>AI </a:t>
                       </a:r>
                       <a:r>
-                        <a:rPr lang="ko-KR" altLang="en-US" sz="1600" smtClean="0"/>
+                        <a:rPr lang="ko-KR" altLang="en-US" sz="1600"/>
                         <a:t>난이도</a:t>
                       </a:r>
+                    </a:p>
+                  </a:txBody>
+                  <a:tcPr/>
+                </a:tc>
+                <a:tc>
+                  <a:txBody>
+                    <a:bodyPr/>
+                    <a:lstStyle/>
+                    <a:p>
+                      <a:pPr latinLnBrk="1"/>
+                      <a:r>
+                        <a:rPr lang="en-US" altLang="ko-KR" sz="1600"/>
+                        <a:t>Round 1, 2, 3</a:t>
+                      </a:r>
                       <a:endParaRPr lang="ko-KR" altLang="en-US" sz="1600"/>
                     </a:p>
                   </a:txBody>
@@ -3917,26 +3946,11 @@
                     <a:p>
                       <a:pPr latinLnBrk="1"/>
                       <a:r>
-                        <a:rPr lang="en-US" altLang="ko-KR" sz="1600" smtClean="0"/>
-                        <a:t>Round 1, 2, 3</a:t>
-                      </a:r>
-                      <a:endParaRPr lang="ko-KR" altLang="en-US" sz="1600"/>
-                    </a:p>
-                  </a:txBody>
-                  <a:tcPr/>
-                </a:tc>
-                <a:tc>
-                  <a:txBody>
-                    <a:bodyPr/>
-                    <a:lstStyle/>
-                    <a:p>
-                      <a:pPr latinLnBrk="1"/>
-                      <a:r>
-                        <a:rPr lang="en-US" altLang="ko-KR" sz="1200" smtClean="0"/>
+                        <a:rPr lang="en-US" altLang="ko-KR" sz="1200"/>
                         <a:t>Round</a:t>
                       </a:r>
                       <a:r>
-                        <a:rPr lang="en-US" altLang="ko-KR" sz="1200" baseline="0" smtClean="0"/>
+                        <a:rPr lang="en-US" altLang="ko-KR" sz="1200" baseline="0"/>
                         <a:t> 1, 2, 3</a:t>
                       </a:r>
                       <a:endParaRPr lang="ko-KR" altLang="en-US" sz="1200"/>
@@ -3951,14 +3965,19 @@
                     <a:p>
                       <a:pPr latinLnBrk="1"/>
                       <a:r>
-                        <a:rPr lang="en-US" altLang="ko-KR" sz="1600" smtClean="0"/>
+                        <a:rPr lang="en-US" altLang="ko-KR" sz="1600" dirty="0"/>
                         <a:t>100%</a:t>
                       </a:r>
-                      <a:endParaRPr lang="ko-KR" altLang="en-US" sz="1600"/>
-                    </a:p>
-                  </a:txBody>
-                  <a:tcPr/>
-                </a:tc>
+                      <a:endParaRPr lang="ko-KR" altLang="en-US" sz="1600" dirty="0"/>
+                    </a:p>
+                  </a:txBody>
+                  <a:tcPr/>
+                </a:tc>
+                <a:extLst>
+                  <a:ext uri="{0D108BD9-81ED-4DB2-BD59-A6C34878D82A}">
+                    <a16:rowId xmlns:a16="http://schemas.microsoft.com/office/drawing/2014/main" val="10008"/>
+                  </a:ext>
+                </a:extLst>
               </a:tr>
               <a:tr h="576817">
                 <a:tc>
@@ -3968,9 +3987,51 @@
                     <a:p>
                       <a:pPr latinLnBrk="1"/>
                       <a:r>
-                        <a:rPr lang="ko-KR" altLang="en-US" sz="1600" smtClean="0"/>
+                        <a:rPr lang="ko-KR" altLang="en-US" sz="1600"/>
                         <a:t>사운드</a:t>
                       </a:r>
+                    </a:p>
+                  </a:txBody>
+                  <a:tcPr/>
+                </a:tc>
+                <a:tc>
+                  <a:txBody>
+                    <a:bodyPr/>
+                    <a:lstStyle/>
+                    <a:p>
+                      <a:pPr latinLnBrk="1"/>
+                      <a:r>
+                        <a:rPr lang="ko-KR" altLang="en-US" sz="1600"/>
+                        <a:t>배경</a:t>
+                      </a:r>
+                      <a:r>
+                        <a:rPr lang="en-US" altLang="ko-KR" sz="1600"/>
+                        <a:t>,</a:t>
+                      </a:r>
+                      <a:r>
+                        <a:rPr lang="en-US" altLang="ko-KR" sz="1600" baseline="0"/>
+                        <a:t> </a:t>
+                      </a:r>
+                      <a:r>
+                        <a:rPr lang="ko-KR" altLang="en-US" sz="1600" baseline="0"/>
+                        <a:t>공격 및 스킬 시전</a:t>
+                      </a:r>
+                      <a:r>
+                        <a:rPr lang="en-US" altLang="ko-KR" sz="1600" baseline="0"/>
+                        <a:t>, </a:t>
+                      </a:r>
+                      <a:r>
+                        <a:rPr lang="ko-KR" altLang="en-US" sz="1600" baseline="0"/>
+                        <a:t>피격</a:t>
+                      </a:r>
+                      <a:r>
+                        <a:rPr lang="en-US" altLang="ko-KR" sz="1600" baseline="0"/>
+                        <a:t>, </a:t>
+                      </a:r>
+                      <a:r>
+                        <a:rPr lang="ko-KR" altLang="en-US" sz="1600" baseline="0"/>
+                        <a:t>스킬</a:t>
+                      </a:r>
                       <a:endParaRPr lang="ko-KR" altLang="en-US" sz="1600"/>
                     </a:p>
                   </a:txBody>
@@ -3983,102 +4044,59 @@
                     <a:p>
                       <a:pPr latinLnBrk="1"/>
                       <a:r>
-                        <a:rPr lang="ko-KR" altLang="en-US" sz="1600" smtClean="0"/>
-                        <a:t>배경</a:t>
-                      </a:r>
-                      <a:r>
-                        <a:rPr lang="en-US" altLang="ko-KR" sz="1600" smtClean="0"/>
-                        <a:t>,</a:t>
-                      </a:r>
-                      <a:r>
-                        <a:rPr lang="en-US" altLang="ko-KR" sz="1600" baseline="0" smtClean="0"/>
+                        <a:rPr lang="ko-KR" altLang="en-US" sz="1200"/>
+                        <a:t>타이틀 및 선택 창 </a:t>
+                      </a:r>
+                      <a:r>
+                        <a:rPr lang="en-US" altLang="ko-KR" sz="1200"/>
+                        <a:t>bgm, 3</a:t>
+                      </a:r>
+                      <a:r>
+                        <a:rPr lang="ko-KR" altLang="en-US" sz="1200"/>
+                        <a:t>종류의 맵 </a:t>
+                      </a:r>
+                      <a:r>
+                        <a:rPr lang="en-US" altLang="ko-KR" sz="1200"/>
+                        <a:t>bgm,</a:t>
+                      </a:r>
+                      <a:r>
+                        <a:rPr lang="en-US" altLang="ko-KR" sz="1200" baseline="0"/>
                         <a:t> </a:t>
                       </a:r>
                       <a:r>
-                        <a:rPr lang="ko-KR" altLang="en-US" sz="1600" baseline="0" smtClean="0"/>
-                        <a:t>공격 및 스킬 시전</a:t>
-                      </a:r>
-                      <a:r>
-                        <a:rPr lang="en-US" altLang="ko-KR" sz="1600" baseline="0" smtClean="0"/>
+                        <a:rPr lang="ko-KR" altLang="en-US" sz="1200" baseline="0"/>
+                        <a:t>승리 및 패배시의 </a:t>
+                      </a:r>
+                      <a:r>
+                        <a:rPr lang="en-US" altLang="ko-KR" sz="1200" baseline="0"/>
+                        <a:t>bgm, </a:t>
+                      </a:r>
+                      <a:r>
+                        <a:rPr lang="ko-KR" altLang="en-US" sz="1200" baseline="0"/>
+                        <a:t>각 캐릭터 별 </a:t>
+                      </a:r>
+                      <a:r>
+                        <a:rPr lang="en-US" altLang="ko-KR" sz="1200" baseline="0"/>
+                        <a:t>2</a:t>
+                      </a:r>
+                      <a:r>
+                        <a:rPr lang="ko-KR" altLang="en-US" sz="1200" baseline="0"/>
+                        <a:t>가지의 피격사운드</a:t>
+                      </a:r>
+                      <a:r>
+                        <a:rPr lang="en-US" altLang="ko-KR" sz="1200" baseline="0"/>
                         <a:t>, </a:t>
                       </a:r>
                       <a:r>
-                        <a:rPr lang="ko-KR" altLang="en-US" sz="1600" baseline="0" smtClean="0"/>
-                        <a:t>피격</a:t>
-                      </a:r>
-                      <a:r>
-                        <a:rPr lang="en-US" altLang="ko-KR" sz="1600" baseline="0" smtClean="0"/>
+                        <a:rPr lang="ko-KR" altLang="en-US" sz="1200" baseline="0"/>
+                        <a:t>공격 사운드</a:t>
+                      </a:r>
+                      <a:r>
+                        <a:rPr lang="en-US" altLang="ko-KR" sz="1200" baseline="0"/>
                         <a:t>, </a:t>
                       </a:r>
                       <a:r>
-                        <a:rPr lang="ko-KR" altLang="en-US" sz="1600" baseline="0" smtClean="0"/>
-                        <a:t>스킬</a:t>
-                      </a:r>
-                      <a:endParaRPr lang="ko-KR" altLang="en-US" sz="1600"/>
-                    </a:p>
-                  </a:txBody>
-                  <a:tcPr/>
-                </a:tc>
-                <a:tc>
-                  <a:txBody>
-                    <a:bodyPr/>
-                    <a:lstStyle/>
-                    <a:p>
-                      <a:pPr latinLnBrk="1"/>
-                      <a:r>
-                        <a:rPr lang="ko-KR" altLang="en-US" sz="1200" smtClean="0"/>
-                        <a:t>타이틀 및 선택 창 </a:t>
-                      </a:r>
-                      <a:r>
-                        <a:rPr lang="en-US" altLang="ko-KR" sz="1200" smtClean="0"/>
-                        <a:t>bgm, 3</a:t>
-                      </a:r>
-                      <a:r>
-                        <a:rPr lang="ko-KR" altLang="en-US" sz="1200" smtClean="0"/>
-                        <a:t>종류의 맵 </a:t>
-                      </a:r>
-                      <a:r>
-                        <a:rPr lang="en-US" altLang="ko-KR" sz="1200" smtClean="0"/>
-                        <a:t>bgm,</a:t>
-                      </a:r>
-                      <a:r>
-                        <a:rPr lang="en-US" altLang="ko-KR" sz="1200" baseline="0" smtClean="0"/>
-                        <a:t> </a:t>
-                      </a:r>
-                      <a:r>
-                        <a:rPr lang="ko-KR" altLang="en-US" sz="1200" baseline="0" smtClean="0"/>
-                        <a:t>승리 및 패배시의 </a:t>
-                      </a:r>
-                      <a:r>
-                        <a:rPr lang="en-US" altLang="ko-KR" sz="1200" baseline="0" smtClean="0"/>
-                        <a:t>bgm, </a:t>
-                      </a:r>
-                      <a:r>
-                        <a:rPr lang="ko-KR" altLang="en-US" sz="1200" baseline="0" smtClean="0"/>
-                        <a:t>각 캐릭터 별 </a:t>
-                      </a:r>
-                      <a:r>
-                        <a:rPr lang="en-US" altLang="ko-KR" sz="1200" baseline="0" smtClean="0"/>
-                        <a:t>2</a:t>
-                      </a:r>
-                      <a:r>
-                        <a:rPr lang="ko-KR" altLang="en-US" sz="1200" baseline="0" smtClean="0"/>
-                        <a:t>가지의 피격사운드</a:t>
-                      </a:r>
-                      <a:r>
-                        <a:rPr lang="en-US" altLang="ko-KR" sz="1200" baseline="0" smtClean="0"/>
-                        <a:t>, </a:t>
-                      </a:r>
-                      <a:r>
-                        <a:rPr lang="ko-KR" altLang="en-US" sz="1200" baseline="0" smtClean="0"/>
-                        <a:t>공격 사운드</a:t>
-                      </a:r>
-                      <a:r>
-                        <a:rPr lang="en-US" altLang="ko-KR" sz="1200" baseline="0" smtClean="0"/>
-                        <a:t>, </a:t>
-                      </a:r>
-                      <a:r>
-                        <a:rPr lang="ko-KR" altLang="en-US" sz="1200" baseline="0" smtClean="0"/>
+                        <a:rPr lang="ko-KR" altLang="en-US" sz="1200" baseline="0"/>
                         <a:t>스킬 사운드</a:t>
                       </a:r>
                       <a:endParaRPr lang="ko-KR" altLang="en-US" sz="1200"/>
@@ -4093,14 +4111,19 @@
                     <a:p>
                       <a:pPr latinLnBrk="1"/>
                       <a:r>
-                        <a:rPr lang="en-US" altLang="ko-KR" sz="1600" smtClean="0"/>
+                        <a:rPr lang="en-US" altLang="ko-KR" sz="1600" dirty="0"/>
                         <a:t>100%</a:t>
                       </a:r>
-                      <a:endParaRPr lang="ko-KR" altLang="en-US" sz="1600"/>
-                    </a:p>
-                  </a:txBody>
-                  <a:tcPr/>
-                </a:tc>
+                      <a:endParaRPr lang="ko-KR" altLang="en-US" sz="1600" dirty="0"/>
+                    </a:p>
+                  </a:txBody>
+                  <a:tcPr/>
+                </a:tc>
+                <a:extLst>
+                  <a:ext uri="{0D108BD9-81ED-4DB2-BD59-A6C34878D82A}">
+                    <a16:rowId xmlns:a16="http://schemas.microsoft.com/office/drawing/2014/main" val="10009"/>
+                  </a:ext>
+                </a:extLst>
               </a:tr>
             </a:tbl>
           </a:graphicData>
@@ -4116,13 +4139,6 @@
   <p:clrMapOvr>
     <a:masterClrMapping/>
   </p:clrMapOvr>
-  <p:timing>
-    <p:tnLst>
-      <p:par>
-        <p:cTn id="1" dur="indefinite" restart="never" nodeType="tmRoot"/>
-      </p:par>
-    </p:tnLst>
-  </p:timing>
 </p:sld>
 </file>
 
@@ -4188,15 +4204,69 @@
                 <a:tableStyleId>{5C22544A-7EE6-4342-B048-85BDC9FD1C3A}</a:tableStyleId>
               </a:tblPr>
               <a:tblGrid>
-                <a:gridCol w="1168400"/>
-                <a:gridCol w="1168400"/>
-                <a:gridCol w="1168400"/>
-                <a:gridCol w="1168400"/>
-                <a:gridCol w="1168400"/>
-                <a:gridCol w="1168400"/>
-                <a:gridCol w="1168400"/>
-                <a:gridCol w="1168400"/>
-                <a:gridCol w="1168400"/>
+                <a:gridCol w="1168400">
+                  <a:extLst>
+                    <a:ext uri="{9D8B030D-6E8A-4147-A177-3AD203B41FA5}">
+                      <a16:colId xmlns:a16="http://schemas.microsoft.com/office/drawing/2014/main" val="20000"/>
+                    </a:ext>
+                  </a:extLst>
+                </a:gridCol>
+                <a:gridCol w="1168400">
+                  <a:extLst>
+                    <a:ext uri="{9D8B030D-6E8A-4147-A177-3AD203B41FA5}">
+                      <a16:colId xmlns:a16="http://schemas.microsoft.com/office/drawing/2014/main" val="20001"/>
+                    </a:ext>
+                  </a:extLst>
+                </a:gridCol>
+                <a:gridCol w="1168400">
+                  <a:extLst>
+                    <a:ext uri="{9D8B030D-6E8A-4147-A177-3AD203B41FA5}">
+                      <a16:colId xmlns:a16="http://schemas.microsoft.com/office/drawing/2014/main" val="20002"/>
+                    </a:ext>
+                  </a:extLst>
+                </a:gridCol>
+                <a:gridCol w="1168400">
+                  <a:extLst>
+                    <a:ext uri="{9D8B030D-6E8A-4147-A177-3AD203B41FA5}">
+                      <a16:colId xmlns:a16="http://schemas.microsoft.com/office/drawing/2014/main" val="20003"/>
+                    </a:ext>
+                  </a:extLst>
+                </a:gridCol>
+                <a:gridCol w="1168400">
+                  <a:extLst>
+                    <a:ext uri="{9D8B030D-6E8A-4147-A177-3AD203B41FA5}">
+                      <a16:colId xmlns:a16="http://schemas.microsoft.com/office/drawing/2014/main" val="20004"/>
+                    </a:ext>
+                  </a:extLst>
+                </a:gridCol>
+                <a:gridCol w="1168400">
+                  <a:extLst>
+                    <a:ext uri="{9D8B030D-6E8A-4147-A177-3AD203B41FA5}">
+                      <a16:colId xmlns:a16="http://schemas.microsoft.com/office/drawing/2014/main" val="20005"/>
+                    </a:ext>
+                  </a:extLst>
+                </a:gridCol>
+                <a:gridCol w="1168400">
+                  <a:extLst>
+                    <a:ext uri="{9D8B030D-6E8A-4147-A177-3AD203B41FA5}">
+                      <a16:colId xmlns:a16="http://schemas.microsoft.com/office/drawing/2014/main" val="20006"/>
+                    </a:ext>
+                  </a:extLst>
+                </a:gridCol>
+                <a:gridCol w="1168400">
+                  <a:extLst>
+                    <a:ext uri="{9D8B030D-6E8A-4147-A177-3AD203B41FA5}">
+                      <a16:colId xmlns:a16="http://schemas.microsoft.com/office/drawing/2014/main" val="20007"/>
+                    </a:ext>
+                  </a:extLst>
+                </a:gridCol>
+                <a:gridCol w="1168400">
+                  <a:extLst>
+                    <a:ext uri="{9D8B030D-6E8A-4147-A177-3AD203B41FA5}">
+                      <a16:colId xmlns:a16="http://schemas.microsoft.com/office/drawing/2014/main" val="20008"/>
+                    </a:ext>
+                  </a:extLst>
+                </a:gridCol>
               </a:tblGrid>
               <a:tr h="370840">
                 <a:tc>
@@ -4298,6 +4368,11 @@
                   </a:txBody>
                   <a:tcPr/>
                 </a:tc>
+                <a:extLst>
+                  <a:ext uri="{0D108BD9-81ED-4DB2-BD59-A6C34878D82A}">
+                    <a16:rowId xmlns:a16="http://schemas.microsoft.com/office/drawing/2014/main" val="10000"/>
+                  </a:ext>
+                </a:extLst>
               </a:tr>
               <a:tr h="370840">
                 <a:tc>
@@ -4399,6 +4474,11 @@
                   </a:txBody>
                   <a:tcPr/>
                 </a:tc>
+                <a:extLst>
+                  <a:ext uri="{0D108BD9-81ED-4DB2-BD59-A6C34878D82A}">
+                    <a16:rowId xmlns:a16="http://schemas.microsoft.com/office/drawing/2014/main" val="10001"/>
+                  </a:ext>
+                </a:extLst>
               </a:tr>
             </a:tbl>
           </a:graphicData>
@@ -4453,8 +4533,20 @@
                 <a:tableStyleId>{5C22544A-7EE6-4342-B048-85BDC9FD1C3A}</a:tableStyleId>
               </a:tblPr>
               <a:tblGrid>
-                <a:gridCol w="4064000"/>
-                <a:gridCol w="4064000"/>
+                <a:gridCol w="4064000">
+                  <a:extLst>
+                    <a:ext uri="{9D8B030D-6E8A-4147-A177-3AD203B41FA5}">
+                      <a16:colId xmlns:a16="http://schemas.microsoft.com/office/drawing/2014/main" val="20000"/>
+                    </a:ext>
+                  </a:extLst>
+                </a:gridCol>
+                <a:gridCol w="4064000">
+                  <a:extLst>
+                    <a:ext uri="{9D8B030D-6E8A-4147-A177-3AD203B41FA5}">
+                      <a16:colId xmlns:a16="http://schemas.microsoft.com/office/drawing/2014/main" val="20001"/>
+                    </a:ext>
+                  </a:extLst>
+                </a:gridCol>
               </a:tblGrid>
               <a:tr h="370840">
                 <a:tc>
@@ -4464,29 +4556,32 @@
                     <a:p>
                       <a:pPr latinLnBrk="1"/>
                       <a:r>
-                        <a:rPr lang="ko-KR" altLang="en-US" smtClean="0"/>
+                        <a:rPr lang="ko-KR" altLang="en-US"/>
                         <a:t>주</a:t>
                       </a:r>
-                      <a:endParaRPr lang="ko-KR" altLang="en-US"/>
-                    </a:p>
-                  </a:txBody>
-                  <a:tcPr/>
-                </a:tc>
-                <a:tc>
-                  <a:txBody>
-                    <a:bodyPr/>
-                    <a:lstStyle/>
-                    <a:p>
-                      <a:pPr latinLnBrk="1"/>
-                      <a:r>
-                        <a:rPr lang="ko-KR" altLang="en-US" smtClean="0"/>
+                    </a:p>
+                  </a:txBody>
+                  <a:tcPr/>
+                </a:tc>
+                <a:tc>
+                  <a:txBody>
+                    <a:bodyPr/>
+                    <a:lstStyle/>
+                    <a:p>
+                      <a:pPr latinLnBrk="1"/>
+                      <a:r>
+                        <a:rPr lang="ko-KR" altLang="en-US"/>
                         <a:t>커밋 횟수</a:t>
                       </a:r>
-                      <a:endParaRPr lang="ko-KR" altLang="en-US"/>
-                    </a:p>
-                  </a:txBody>
-                  <a:tcPr/>
-                </a:tc>
+                    </a:p>
+                  </a:txBody>
+                  <a:tcPr/>
+                </a:tc>
+                <a:extLst>
+                  <a:ext uri="{0D108BD9-81ED-4DB2-BD59-A6C34878D82A}">
+                    <a16:rowId xmlns:a16="http://schemas.microsoft.com/office/drawing/2014/main" val="10000"/>
+                  </a:ext>
+                </a:extLst>
               </a:tr>
               <a:tr h="370840">
                 <a:tc>
@@ -4496,7 +4591,7 @@
                     <a:p>
                       <a:pPr latinLnBrk="1"/>
                       <a:r>
-                        <a:rPr lang="en-US" altLang="ko-KR" smtClean="0"/>
+                        <a:rPr lang="en-US" altLang="ko-KR"/>
                         <a:t>Week of Oct 15</a:t>
                       </a:r>
                       <a:endParaRPr lang="ko-KR" altLang="en-US"/>
@@ -4511,7 +4606,7 @@
                     <a:p>
                       <a:pPr latinLnBrk="1"/>
                       <a:r>
-                        <a:rPr lang="en-US" altLang="ko-KR" smtClean="0"/>
+                        <a:rPr lang="en-US" altLang="ko-KR"/>
                         <a:t>2</a:t>
                       </a:r>
                       <a:endParaRPr lang="ko-KR" altLang="en-US"/>
@@ -4519,6 +4614,11 @@
                   </a:txBody>
                   <a:tcPr/>
                 </a:tc>
+                <a:extLst>
+                  <a:ext uri="{0D108BD9-81ED-4DB2-BD59-A6C34878D82A}">
+                    <a16:rowId xmlns:a16="http://schemas.microsoft.com/office/drawing/2014/main" val="10001"/>
+                  </a:ext>
+                </a:extLst>
               </a:tr>
               <a:tr h="370840">
                 <a:tc>
@@ -4528,7 +4628,7 @@
                     <a:p>
                       <a:pPr latinLnBrk="1"/>
                       <a:r>
-                        <a:rPr lang="en-US" altLang="ko-KR" smtClean="0"/>
+                        <a:rPr lang="en-US" altLang="ko-KR"/>
                         <a:t>Week of Oct 22</a:t>
                       </a:r>
                       <a:endParaRPr lang="ko-KR" altLang="en-US"/>
@@ -4543,7 +4643,7 @@
                     <a:p>
                       <a:pPr latinLnBrk="1"/>
                       <a:r>
-                        <a:rPr lang="en-US" altLang="ko-KR" smtClean="0"/>
+                        <a:rPr lang="en-US" altLang="ko-KR"/>
                         <a:t>11</a:t>
                       </a:r>
                       <a:endParaRPr lang="ko-KR" altLang="en-US"/>
@@ -4551,6 +4651,11 @@
                   </a:txBody>
                   <a:tcPr/>
                 </a:tc>
+                <a:extLst>
+                  <a:ext uri="{0D108BD9-81ED-4DB2-BD59-A6C34878D82A}">
+                    <a16:rowId xmlns:a16="http://schemas.microsoft.com/office/drawing/2014/main" val="10002"/>
+                  </a:ext>
+                </a:extLst>
               </a:tr>
               <a:tr h="370840">
                 <a:tc>
@@ -4560,7 +4665,7 @@
                     <a:p>
                       <a:pPr latinLnBrk="1"/>
                       <a:r>
-                        <a:rPr lang="en-US" altLang="ko-KR" smtClean="0"/>
+                        <a:rPr lang="en-US" altLang="ko-KR"/>
                         <a:t>Week of Oct 29</a:t>
                       </a:r>
                       <a:endParaRPr lang="ko-KR" altLang="en-US"/>
@@ -4575,7 +4680,7 @@
                     <a:p>
                       <a:pPr latinLnBrk="1"/>
                       <a:r>
-                        <a:rPr lang="en-US" altLang="ko-KR" smtClean="0"/>
+                        <a:rPr lang="en-US" altLang="ko-KR"/>
                         <a:t>17</a:t>
                       </a:r>
                       <a:endParaRPr lang="ko-KR" altLang="en-US"/>
@@ -4583,6 +4688,11 @@
                   </a:txBody>
                   <a:tcPr/>
                 </a:tc>
+                <a:extLst>
+                  <a:ext uri="{0D108BD9-81ED-4DB2-BD59-A6C34878D82A}">
+                    <a16:rowId xmlns:a16="http://schemas.microsoft.com/office/drawing/2014/main" val="10003"/>
+                  </a:ext>
+                </a:extLst>
               </a:tr>
               <a:tr h="370840">
                 <a:tc>
@@ -4592,11 +4702,11 @@
                     <a:p>
                       <a:pPr latinLnBrk="1"/>
                       <a:r>
-                        <a:rPr lang="en-US" altLang="ko-KR" smtClean="0"/>
+                        <a:rPr lang="en-US" altLang="ko-KR"/>
                         <a:t>Week</a:t>
                       </a:r>
                       <a:r>
-                        <a:rPr lang="en-US" altLang="ko-KR" baseline="0" smtClean="0"/>
+                        <a:rPr lang="en-US" altLang="ko-KR" baseline="0"/>
                         <a:t> of Nov 5</a:t>
                       </a:r>
                       <a:endParaRPr lang="ko-KR" altLang="en-US"/>
@@ -4611,7 +4721,7 @@
                     <a:p>
                       <a:pPr latinLnBrk="1"/>
                       <a:r>
-                        <a:rPr lang="en-US" altLang="ko-KR" smtClean="0"/>
+                        <a:rPr lang="en-US" altLang="ko-KR"/>
                         <a:t>22</a:t>
                       </a:r>
                       <a:endParaRPr lang="ko-KR" altLang="en-US"/>
@@ -4619,6 +4729,11 @@
                   </a:txBody>
                   <a:tcPr/>
                 </a:tc>
+                <a:extLst>
+                  <a:ext uri="{0D108BD9-81ED-4DB2-BD59-A6C34878D82A}">
+                    <a16:rowId xmlns:a16="http://schemas.microsoft.com/office/drawing/2014/main" val="10004"/>
+                  </a:ext>
+                </a:extLst>
               </a:tr>
               <a:tr h="370840">
                 <a:tc>
@@ -4628,7 +4743,7 @@
                     <a:p>
                       <a:pPr latinLnBrk="1"/>
                       <a:r>
-                        <a:rPr lang="en-US" altLang="ko-KR" smtClean="0"/>
+                        <a:rPr lang="en-US" altLang="ko-KR"/>
                         <a:t>Week of Nov 12</a:t>
                       </a:r>
                       <a:endParaRPr lang="ko-KR" altLang="en-US"/>
@@ -4643,7 +4758,7 @@
                     <a:p>
                       <a:pPr latinLnBrk="1"/>
                       <a:r>
-                        <a:rPr lang="en-US" altLang="ko-KR" smtClean="0"/>
+                        <a:rPr lang="en-US" altLang="ko-KR"/>
                         <a:t>26</a:t>
                       </a:r>
                       <a:endParaRPr lang="ko-KR" altLang="en-US"/>
@@ -4651,6 +4766,11 @@
                   </a:txBody>
                   <a:tcPr/>
                 </a:tc>
+                <a:extLst>
+                  <a:ext uri="{0D108BD9-81ED-4DB2-BD59-A6C34878D82A}">
+                    <a16:rowId xmlns:a16="http://schemas.microsoft.com/office/drawing/2014/main" val="10005"/>
+                  </a:ext>
+                </a:extLst>
               </a:tr>
               <a:tr h="370840">
                 <a:tc>
@@ -4660,7 +4780,7 @@
                     <a:p>
                       <a:pPr latinLnBrk="1"/>
                       <a:r>
-                        <a:rPr lang="en-US" altLang="ko-KR" smtClean="0"/>
+                        <a:rPr lang="en-US" altLang="ko-KR"/>
                         <a:t>Week of Nov 19</a:t>
                       </a:r>
                       <a:endParaRPr lang="ko-KR" altLang="en-US"/>
@@ -4675,7 +4795,7 @@
                     <a:p>
                       <a:pPr latinLnBrk="1"/>
                       <a:r>
-                        <a:rPr lang="en-US" altLang="ko-KR" smtClean="0"/>
+                        <a:rPr lang="en-US" altLang="ko-KR"/>
                         <a:t>42</a:t>
                       </a:r>
                       <a:endParaRPr lang="ko-KR" altLang="en-US"/>
@@ -4683,6 +4803,11 @@
                   </a:txBody>
                   <a:tcPr/>
                 </a:tc>
+                <a:extLst>
+                  <a:ext uri="{0D108BD9-81ED-4DB2-BD59-A6C34878D82A}">
+                    <a16:rowId xmlns:a16="http://schemas.microsoft.com/office/drawing/2014/main" val="10006"/>
+                  </a:ext>
+                </a:extLst>
               </a:tr>
               <a:tr h="370840">
                 <a:tc>
@@ -4692,7 +4817,7 @@
                     <a:p>
                       <a:pPr latinLnBrk="1"/>
                       <a:r>
-                        <a:rPr lang="en-US" altLang="ko-KR" smtClean="0"/>
+                        <a:rPr lang="en-US" altLang="ko-KR"/>
                         <a:t>Week of Nov 26</a:t>
                       </a:r>
                       <a:endParaRPr lang="ko-KR" altLang="en-US"/>
@@ -4707,7 +4832,7 @@
                     <a:p>
                       <a:pPr latinLnBrk="1"/>
                       <a:r>
-                        <a:rPr lang="en-US" altLang="ko-KR" smtClean="0"/>
+                        <a:rPr lang="en-US" altLang="ko-KR"/>
                         <a:t>38</a:t>
                       </a:r>
                       <a:endParaRPr lang="ko-KR" altLang="en-US"/>
@@ -4715,6 +4840,11 @@
                   </a:txBody>
                   <a:tcPr/>
                 </a:tc>
+                <a:extLst>
+                  <a:ext uri="{0D108BD9-81ED-4DB2-BD59-A6C34878D82A}">
+                    <a16:rowId xmlns:a16="http://schemas.microsoft.com/office/drawing/2014/main" val="10007"/>
+                  </a:ext>
+                </a:extLst>
               </a:tr>
               <a:tr h="370840">
                 <a:tc>
@@ -4724,7 +4854,7 @@
                     <a:p>
                       <a:pPr latinLnBrk="1"/>
                       <a:r>
-                        <a:rPr lang="en-US" altLang="ko-KR" smtClean="0"/>
+                        <a:rPr lang="en-US" altLang="ko-KR"/>
                         <a:t>Week of Dec 3</a:t>
                       </a:r>
                       <a:endParaRPr lang="ko-KR" altLang="en-US"/>
@@ -4739,7 +4869,7 @@
                     <a:p>
                       <a:pPr latinLnBrk="1"/>
                       <a:r>
-                        <a:rPr lang="en-US" altLang="ko-KR" smtClean="0"/>
+                        <a:rPr lang="en-US" altLang="ko-KR"/>
                         <a:t>3</a:t>
                       </a:r>
                       <a:endParaRPr lang="ko-KR" altLang="en-US"/>
@@ -4747,6 +4877,11 @@
                   </a:txBody>
                   <a:tcPr/>
                 </a:tc>
+                <a:extLst>
+                  <a:ext uri="{0D108BD9-81ED-4DB2-BD59-A6C34878D82A}">
+                    <a16:rowId xmlns:a16="http://schemas.microsoft.com/office/drawing/2014/main" val="10008"/>
+                  </a:ext>
+                </a:extLst>
               </a:tr>
             </a:tbl>
           </a:graphicData>
@@ -4762,13 +4897,6 @@
   <p:clrMapOvr>
     <a:masterClrMapping/>
   </p:clrMapOvr>
-  <p:timing>
-    <p:tnLst>
-      <p:par>
-        <p:cTn id="1" dur="indefinite" restart="never" nodeType="tmRoot"/>
-      </p:par>
-    </p:tnLst>
-  </p:timing>
 </p:sld>
 </file>
 
